--- a/_SLIDES/2020/H4- Werken met data/H4_1_casting en input verwerken.pptx
+++ b/_SLIDES/2020/H4- Werken met data/H4_1_casting en input verwerken.pptx
@@ -5,10 +5,10 @@
     <p:sldMasterId id="2147483684" r:id="rId1"/>
   </p:sldMasterIdLst>
   <p:notesMasterIdLst>
-    <p:notesMasterId r:id="rId36"/>
+    <p:notesMasterId r:id="rId37"/>
   </p:notesMasterIdLst>
   <p:handoutMasterIdLst>
-    <p:handoutMasterId r:id="rId37"/>
+    <p:handoutMasterId r:id="rId38"/>
   </p:handoutMasterIdLst>
   <p:sldIdLst>
     <p:sldId id="286" r:id="rId2"/>
@@ -35,58 +35,59 @@
     <p:sldId id="306" r:id="rId23"/>
     <p:sldId id="304" r:id="rId24"/>
     <p:sldId id="307" r:id="rId25"/>
-    <p:sldId id="2012" r:id="rId26"/>
-    <p:sldId id="305" r:id="rId27"/>
-    <p:sldId id="308" r:id="rId28"/>
-    <p:sldId id="294" r:id="rId29"/>
-    <p:sldId id="296" r:id="rId30"/>
-    <p:sldId id="297" r:id="rId31"/>
-    <p:sldId id="298" r:id="rId32"/>
-    <p:sldId id="300" r:id="rId33"/>
-    <p:sldId id="301" r:id="rId34"/>
-    <p:sldId id="2011" r:id="rId35"/>
+    <p:sldId id="2013" r:id="rId26"/>
+    <p:sldId id="2012" r:id="rId27"/>
+    <p:sldId id="305" r:id="rId28"/>
+    <p:sldId id="308" r:id="rId29"/>
+    <p:sldId id="294" r:id="rId30"/>
+    <p:sldId id="296" r:id="rId31"/>
+    <p:sldId id="297" r:id="rId32"/>
+    <p:sldId id="298" r:id="rId33"/>
+    <p:sldId id="300" r:id="rId34"/>
+    <p:sldId id="301" r:id="rId35"/>
+    <p:sldId id="2011" r:id="rId36"/>
   </p:sldIdLst>
   <p:sldSz cx="12192000" cy="6858000"/>
   <p:notesSz cx="7099300" cy="10234613"/>
   <p:embeddedFontLst>
     <p:embeddedFont>
       <p:font typeface="Archivo Narrow" panose="020B0506020202020B04" pitchFamily="34" charset="0"/>
-      <p:regular r:id="rId38"/>
-      <p:bold r:id="rId39"/>
-      <p:italic r:id="rId40"/>
+      <p:regular r:id="rId39"/>
+      <p:bold r:id="rId40"/>
+      <p:italic r:id="rId41"/>
     </p:embeddedFont>
     <p:embeddedFont>
       <p:font typeface="Blogger Sans" panose="02000506030000020004" pitchFamily="50" charset="0"/>
-      <p:regular r:id="rId41"/>
-      <p:bold r:id="rId42"/>
+      <p:regular r:id="rId42"/>
+      <p:bold r:id="rId43"/>
     </p:embeddedFont>
     <p:embeddedFont>
       <p:font typeface="Calibri" panose="020F0502020204030204" pitchFamily="34" charset="0"/>
-      <p:regular r:id="rId43"/>
-      <p:bold r:id="rId44"/>
-      <p:italic r:id="rId45"/>
-      <p:boldItalic r:id="rId46"/>
+      <p:regular r:id="rId44"/>
+      <p:bold r:id="rId45"/>
+      <p:italic r:id="rId46"/>
+      <p:boldItalic r:id="rId47"/>
     </p:embeddedFont>
     <p:embeddedFont>
       <p:font typeface="Comic Sans MS" panose="030F0702030302020204" pitchFamily="66" charset="0"/>
-      <p:regular r:id="rId47"/>
-      <p:bold r:id="rId48"/>
-      <p:italic r:id="rId49"/>
-      <p:boldItalic r:id="rId50"/>
+      <p:regular r:id="rId48"/>
+      <p:bold r:id="rId49"/>
+      <p:italic r:id="rId50"/>
+      <p:boldItalic r:id="rId51"/>
     </p:embeddedFont>
     <p:embeddedFont>
       <p:font typeface="Consolas" panose="020B0609020204030204" pitchFamily="49" charset="0"/>
-      <p:regular r:id="rId51"/>
-      <p:bold r:id="rId52"/>
-      <p:italic r:id="rId53"/>
-      <p:boldItalic r:id="rId54"/>
+      <p:regular r:id="rId52"/>
+      <p:bold r:id="rId53"/>
+      <p:italic r:id="rId54"/>
+      <p:boldItalic r:id="rId55"/>
     </p:embeddedFont>
     <p:embeddedFont>
       <p:font typeface="Times" panose="02020603050405020304" pitchFamily="18" charset="0"/>
-      <p:regular r:id="rId55"/>
-      <p:bold r:id="rId56"/>
-      <p:italic r:id="rId57"/>
-      <p:boldItalic r:id="rId58"/>
+      <p:regular r:id="rId56"/>
+      <p:bold r:id="rId57"/>
+      <p:italic r:id="rId58"/>
+      <p:boldItalic r:id="rId59"/>
     </p:embeddedFont>
   </p:embeddedFontLst>
   <p:defaultTextStyle>
@@ -4025,6 +4026,753 @@
 </file>
 
 <file path=ppt/diagrams/colors6.xml><?xml version="1.0" encoding="utf-8"?>
+<dgm:colorsDef xmlns:dgm="http://schemas.openxmlformats.org/drawingml/2006/diagram" xmlns:a="http://schemas.openxmlformats.org/drawingml/2006/main" uniqueId="urn:microsoft.com/office/officeart/2005/8/colors/accent1_2">
+  <dgm:title val=""/>
+  <dgm:desc val=""/>
+  <dgm:catLst>
+    <dgm:cat type="accent1" pri="11200"/>
+  </dgm:catLst>
+  <dgm:styleLbl name="node0">
+    <dgm:fillClrLst meth="repeat">
+      <a:schemeClr val="accent1"/>
+    </dgm:fillClrLst>
+    <dgm:linClrLst meth="repeat">
+      <a:schemeClr val="lt1"/>
+    </dgm:linClrLst>
+    <dgm:effectClrLst/>
+    <dgm:txLinClrLst/>
+    <dgm:txFillClrLst/>
+    <dgm:txEffectClrLst/>
+  </dgm:styleLbl>
+  <dgm:styleLbl name="alignNode1">
+    <dgm:fillClrLst meth="repeat">
+      <a:schemeClr val="accent1"/>
+    </dgm:fillClrLst>
+    <dgm:linClrLst meth="repeat">
+      <a:schemeClr val="accent1"/>
+    </dgm:linClrLst>
+    <dgm:effectClrLst/>
+    <dgm:txLinClrLst/>
+    <dgm:txFillClrLst/>
+    <dgm:txEffectClrLst/>
+  </dgm:styleLbl>
+  <dgm:styleLbl name="node1">
+    <dgm:fillClrLst meth="repeat">
+      <a:schemeClr val="accent1"/>
+    </dgm:fillClrLst>
+    <dgm:linClrLst meth="repeat">
+      <a:schemeClr val="lt1"/>
+    </dgm:linClrLst>
+    <dgm:effectClrLst/>
+    <dgm:txLinClrLst/>
+    <dgm:txFillClrLst/>
+    <dgm:txEffectClrLst/>
+  </dgm:styleLbl>
+  <dgm:styleLbl name="lnNode1">
+    <dgm:fillClrLst meth="repeat">
+      <a:schemeClr val="accent1"/>
+    </dgm:fillClrLst>
+    <dgm:linClrLst meth="repeat">
+      <a:schemeClr val="lt1"/>
+    </dgm:linClrLst>
+    <dgm:effectClrLst/>
+    <dgm:txLinClrLst/>
+    <dgm:txFillClrLst/>
+    <dgm:txEffectClrLst/>
+  </dgm:styleLbl>
+  <dgm:styleLbl name="vennNode1">
+    <dgm:fillClrLst meth="repeat">
+      <a:schemeClr val="accent1">
+        <a:alpha val="50000"/>
+      </a:schemeClr>
+    </dgm:fillClrLst>
+    <dgm:linClrLst meth="repeat">
+      <a:schemeClr val="lt1"/>
+    </dgm:linClrLst>
+    <dgm:effectClrLst/>
+    <dgm:txLinClrLst/>
+    <dgm:txFillClrLst/>
+    <dgm:txEffectClrLst/>
+  </dgm:styleLbl>
+  <dgm:styleLbl name="node2">
+    <dgm:fillClrLst meth="repeat">
+      <a:schemeClr val="accent1"/>
+    </dgm:fillClrLst>
+    <dgm:linClrLst meth="repeat">
+      <a:schemeClr val="lt1"/>
+    </dgm:linClrLst>
+    <dgm:effectClrLst/>
+    <dgm:txLinClrLst/>
+    <dgm:txFillClrLst/>
+    <dgm:txEffectClrLst/>
+  </dgm:styleLbl>
+  <dgm:styleLbl name="node3">
+    <dgm:fillClrLst meth="repeat">
+      <a:schemeClr val="accent1"/>
+    </dgm:fillClrLst>
+    <dgm:linClrLst meth="repeat">
+      <a:schemeClr val="lt1"/>
+    </dgm:linClrLst>
+    <dgm:effectClrLst/>
+    <dgm:txLinClrLst/>
+    <dgm:txFillClrLst/>
+    <dgm:txEffectClrLst/>
+  </dgm:styleLbl>
+  <dgm:styleLbl name="node4">
+    <dgm:fillClrLst meth="repeat">
+      <a:schemeClr val="accent1"/>
+    </dgm:fillClrLst>
+    <dgm:linClrLst meth="repeat">
+      <a:schemeClr val="lt1"/>
+    </dgm:linClrLst>
+    <dgm:effectClrLst/>
+    <dgm:txLinClrLst/>
+    <dgm:txFillClrLst/>
+    <dgm:txEffectClrLst/>
+  </dgm:styleLbl>
+  <dgm:styleLbl name="fgImgPlace1">
+    <dgm:fillClrLst meth="repeat">
+      <a:schemeClr val="accent1">
+        <a:tint val="50000"/>
+      </a:schemeClr>
+    </dgm:fillClrLst>
+    <dgm:linClrLst meth="repeat">
+      <a:schemeClr val="lt1"/>
+    </dgm:linClrLst>
+    <dgm:effectClrLst/>
+    <dgm:txLinClrLst/>
+    <dgm:txFillClrLst meth="repeat">
+      <a:schemeClr val="lt1"/>
+    </dgm:txFillClrLst>
+    <dgm:txEffectClrLst/>
+  </dgm:styleLbl>
+  <dgm:styleLbl name="alignImgPlace1">
+    <dgm:fillClrLst meth="repeat">
+      <a:schemeClr val="accent1">
+        <a:tint val="50000"/>
+      </a:schemeClr>
+    </dgm:fillClrLst>
+    <dgm:linClrLst meth="repeat">
+      <a:schemeClr val="lt1"/>
+    </dgm:linClrLst>
+    <dgm:effectClrLst/>
+    <dgm:txLinClrLst/>
+    <dgm:txFillClrLst meth="repeat">
+      <a:schemeClr val="lt1"/>
+    </dgm:txFillClrLst>
+    <dgm:txEffectClrLst/>
+  </dgm:styleLbl>
+  <dgm:styleLbl name="bgImgPlace1">
+    <dgm:fillClrLst meth="repeat">
+      <a:schemeClr val="accent1">
+        <a:tint val="50000"/>
+      </a:schemeClr>
+    </dgm:fillClrLst>
+    <dgm:linClrLst meth="repeat">
+      <a:schemeClr val="lt1"/>
+    </dgm:linClrLst>
+    <dgm:effectClrLst/>
+    <dgm:txLinClrLst/>
+    <dgm:txFillClrLst meth="repeat">
+      <a:schemeClr val="lt1"/>
+    </dgm:txFillClrLst>
+    <dgm:txEffectClrLst/>
+  </dgm:styleLbl>
+  <dgm:styleLbl name="sibTrans2D1">
+    <dgm:fillClrLst meth="repeat">
+      <a:schemeClr val="accent1">
+        <a:tint val="60000"/>
+      </a:schemeClr>
+    </dgm:fillClrLst>
+    <dgm:linClrLst meth="repeat">
+      <a:schemeClr val="accent1">
+        <a:tint val="60000"/>
+      </a:schemeClr>
+    </dgm:linClrLst>
+    <dgm:effectClrLst/>
+    <dgm:txLinClrLst/>
+    <dgm:txFillClrLst/>
+    <dgm:txEffectClrLst/>
+  </dgm:styleLbl>
+  <dgm:styleLbl name="fgSibTrans2D1">
+    <dgm:fillClrLst meth="repeat">
+      <a:schemeClr val="accent1">
+        <a:tint val="60000"/>
+      </a:schemeClr>
+    </dgm:fillClrLst>
+    <dgm:linClrLst meth="repeat">
+      <a:schemeClr val="accent1">
+        <a:tint val="60000"/>
+      </a:schemeClr>
+    </dgm:linClrLst>
+    <dgm:effectClrLst/>
+    <dgm:txLinClrLst/>
+    <dgm:txFillClrLst/>
+    <dgm:txEffectClrLst/>
+  </dgm:styleLbl>
+  <dgm:styleLbl name="bgSibTrans2D1">
+    <dgm:fillClrLst meth="repeat">
+      <a:schemeClr val="accent1">
+        <a:tint val="60000"/>
+      </a:schemeClr>
+    </dgm:fillClrLst>
+    <dgm:linClrLst meth="repeat">
+      <a:schemeClr val="accent1">
+        <a:tint val="60000"/>
+      </a:schemeClr>
+    </dgm:linClrLst>
+    <dgm:effectClrLst/>
+    <dgm:txLinClrLst/>
+    <dgm:txFillClrLst/>
+    <dgm:txEffectClrLst/>
+  </dgm:styleLbl>
+  <dgm:styleLbl name="sibTrans1D1">
+    <dgm:fillClrLst meth="repeat">
+      <a:schemeClr val="accent1"/>
+    </dgm:fillClrLst>
+    <dgm:linClrLst meth="repeat">
+      <a:schemeClr val="accent1"/>
+    </dgm:linClrLst>
+    <dgm:effectClrLst/>
+    <dgm:txLinClrLst/>
+    <dgm:txFillClrLst meth="repeat">
+      <a:schemeClr val="tx1"/>
+    </dgm:txFillClrLst>
+    <dgm:txEffectClrLst/>
+  </dgm:styleLbl>
+  <dgm:styleLbl name="callout">
+    <dgm:fillClrLst meth="repeat">
+      <a:schemeClr val="accent1"/>
+    </dgm:fillClrLst>
+    <dgm:linClrLst meth="repeat">
+      <a:schemeClr val="accent1">
+        <a:tint val="50000"/>
+      </a:schemeClr>
+    </dgm:linClrLst>
+    <dgm:effectClrLst/>
+    <dgm:txLinClrLst/>
+    <dgm:txFillClrLst meth="repeat">
+      <a:schemeClr val="tx1"/>
+    </dgm:txFillClrLst>
+    <dgm:txEffectClrLst/>
+  </dgm:styleLbl>
+  <dgm:styleLbl name="asst0">
+    <dgm:fillClrLst meth="repeat">
+      <a:schemeClr val="accent1"/>
+    </dgm:fillClrLst>
+    <dgm:linClrLst meth="repeat">
+      <a:schemeClr val="lt1"/>
+    </dgm:linClrLst>
+    <dgm:effectClrLst/>
+    <dgm:txLinClrLst/>
+    <dgm:txFillClrLst/>
+    <dgm:txEffectClrLst/>
+  </dgm:styleLbl>
+  <dgm:styleLbl name="asst1">
+    <dgm:fillClrLst meth="repeat">
+      <a:schemeClr val="accent1"/>
+    </dgm:fillClrLst>
+    <dgm:linClrLst meth="repeat">
+      <a:schemeClr val="lt1"/>
+    </dgm:linClrLst>
+    <dgm:effectClrLst/>
+    <dgm:txLinClrLst/>
+    <dgm:txFillClrLst/>
+    <dgm:txEffectClrLst/>
+  </dgm:styleLbl>
+  <dgm:styleLbl name="asst2">
+    <dgm:fillClrLst meth="repeat">
+      <a:schemeClr val="accent1"/>
+    </dgm:fillClrLst>
+    <dgm:linClrLst meth="repeat">
+      <a:schemeClr val="lt1"/>
+    </dgm:linClrLst>
+    <dgm:effectClrLst/>
+    <dgm:txLinClrLst/>
+    <dgm:txFillClrLst/>
+    <dgm:txEffectClrLst/>
+  </dgm:styleLbl>
+  <dgm:styleLbl name="asst3">
+    <dgm:fillClrLst meth="repeat">
+      <a:schemeClr val="accent1"/>
+    </dgm:fillClrLst>
+    <dgm:linClrLst meth="repeat">
+      <a:schemeClr val="lt1"/>
+    </dgm:linClrLst>
+    <dgm:effectClrLst/>
+    <dgm:txLinClrLst/>
+    <dgm:txFillClrLst/>
+    <dgm:txEffectClrLst/>
+  </dgm:styleLbl>
+  <dgm:styleLbl name="asst4">
+    <dgm:fillClrLst meth="repeat">
+      <a:schemeClr val="accent1"/>
+    </dgm:fillClrLst>
+    <dgm:linClrLst meth="repeat">
+      <a:schemeClr val="lt1"/>
+    </dgm:linClrLst>
+    <dgm:effectClrLst/>
+    <dgm:txLinClrLst/>
+    <dgm:txFillClrLst/>
+    <dgm:txEffectClrLst/>
+  </dgm:styleLbl>
+  <dgm:styleLbl name="parChTrans2D1">
+    <dgm:fillClrLst meth="repeat">
+      <a:schemeClr val="accent1">
+        <a:tint val="60000"/>
+      </a:schemeClr>
+    </dgm:fillClrLst>
+    <dgm:linClrLst meth="repeat">
+      <a:schemeClr val="accent1">
+        <a:tint val="60000"/>
+      </a:schemeClr>
+    </dgm:linClrLst>
+    <dgm:effectClrLst/>
+    <dgm:txLinClrLst/>
+    <dgm:txFillClrLst meth="repeat">
+      <a:schemeClr val="lt1"/>
+    </dgm:txFillClrLst>
+    <dgm:txEffectClrLst/>
+  </dgm:styleLbl>
+  <dgm:styleLbl name="parChTrans2D2">
+    <dgm:fillClrLst meth="repeat">
+      <a:schemeClr val="accent1"/>
+    </dgm:fillClrLst>
+    <dgm:linClrLst meth="repeat">
+      <a:schemeClr val="accent1"/>
+    </dgm:linClrLst>
+    <dgm:effectClrLst/>
+    <dgm:txLinClrLst/>
+    <dgm:txFillClrLst meth="repeat">
+      <a:schemeClr val="lt1"/>
+    </dgm:txFillClrLst>
+    <dgm:txEffectClrLst/>
+  </dgm:styleLbl>
+  <dgm:styleLbl name="parChTrans2D3">
+    <dgm:fillClrLst meth="repeat">
+      <a:schemeClr val="accent1"/>
+    </dgm:fillClrLst>
+    <dgm:linClrLst meth="repeat">
+      <a:schemeClr val="accent1"/>
+    </dgm:linClrLst>
+    <dgm:effectClrLst/>
+    <dgm:txLinClrLst/>
+    <dgm:txFillClrLst meth="repeat">
+      <a:schemeClr val="lt1"/>
+    </dgm:txFillClrLst>
+    <dgm:txEffectClrLst/>
+  </dgm:styleLbl>
+  <dgm:styleLbl name="parChTrans2D4">
+    <dgm:fillClrLst meth="repeat">
+      <a:schemeClr val="accent1"/>
+    </dgm:fillClrLst>
+    <dgm:linClrLst meth="repeat">
+      <a:schemeClr val="accent1"/>
+    </dgm:linClrLst>
+    <dgm:effectClrLst/>
+    <dgm:txLinClrLst/>
+    <dgm:txFillClrLst meth="repeat">
+      <a:schemeClr val="lt1"/>
+    </dgm:txFillClrLst>
+    <dgm:txEffectClrLst/>
+  </dgm:styleLbl>
+  <dgm:styleLbl name="parChTrans1D1">
+    <dgm:fillClrLst meth="repeat">
+      <a:schemeClr val="accent1"/>
+    </dgm:fillClrLst>
+    <dgm:linClrLst meth="repeat">
+      <a:schemeClr val="accent1">
+        <a:shade val="60000"/>
+      </a:schemeClr>
+    </dgm:linClrLst>
+    <dgm:effectClrLst/>
+    <dgm:txLinClrLst/>
+    <dgm:txFillClrLst meth="repeat">
+      <a:schemeClr val="tx1"/>
+    </dgm:txFillClrLst>
+    <dgm:txEffectClrLst/>
+  </dgm:styleLbl>
+  <dgm:styleLbl name="parChTrans1D2">
+    <dgm:fillClrLst meth="repeat">
+      <a:schemeClr val="accent1"/>
+    </dgm:fillClrLst>
+    <dgm:linClrLst meth="repeat">
+      <a:schemeClr val="accent1">
+        <a:shade val="60000"/>
+      </a:schemeClr>
+    </dgm:linClrLst>
+    <dgm:effectClrLst/>
+    <dgm:txLinClrLst/>
+    <dgm:txFillClrLst meth="repeat">
+      <a:schemeClr val="tx1"/>
+    </dgm:txFillClrLst>
+    <dgm:txEffectClrLst/>
+  </dgm:styleLbl>
+  <dgm:styleLbl name="parChTrans1D3">
+    <dgm:fillClrLst meth="repeat">
+      <a:schemeClr val="accent1"/>
+    </dgm:fillClrLst>
+    <dgm:linClrLst meth="repeat">
+      <a:schemeClr val="accent1">
+        <a:shade val="80000"/>
+      </a:schemeClr>
+    </dgm:linClrLst>
+    <dgm:effectClrLst/>
+    <dgm:txLinClrLst/>
+    <dgm:txFillClrLst meth="repeat">
+      <a:schemeClr val="tx1"/>
+    </dgm:txFillClrLst>
+    <dgm:txEffectClrLst/>
+  </dgm:styleLbl>
+  <dgm:styleLbl name="parChTrans1D4">
+    <dgm:fillClrLst meth="repeat">
+      <a:schemeClr val="accent1"/>
+    </dgm:fillClrLst>
+    <dgm:linClrLst meth="repeat">
+      <a:schemeClr val="accent1">
+        <a:shade val="80000"/>
+      </a:schemeClr>
+    </dgm:linClrLst>
+    <dgm:effectClrLst/>
+    <dgm:txLinClrLst/>
+    <dgm:txFillClrLst meth="repeat">
+      <a:schemeClr val="tx1"/>
+    </dgm:txFillClrLst>
+    <dgm:txEffectClrLst/>
+  </dgm:styleLbl>
+  <dgm:styleLbl name="fgAcc1">
+    <dgm:fillClrLst meth="repeat">
+      <a:schemeClr val="lt1">
+        <a:alpha val="90000"/>
+      </a:schemeClr>
+    </dgm:fillClrLst>
+    <dgm:linClrLst meth="repeat">
+      <a:schemeClr val="accent1"/>
+    </dgm:linClrLst>
+    <dgm:effectClrLst/>
+    <dgm:txLinClrLst/>
+    <dgm:txFillClrLst meth="repeat">
+      <a:schemeClr val="dk1"/>
+    </dgm:txFillClrLst>
+    <dgm:txEffectClrLst/>
+  </dgm:styleLbl>
+  <dgm:styleLbl name="conFgAcc1">
+    <dgm:fillClrLst meth="repeat">
+      <a:schemeClr val="lt1">
+        <a:alpha val="90000"/>
+      </a:schemeClr>
+    </dgm:fillClrLst>
+    <dgm:linClrLst meth="repeat">
+      <a:schemeClr val="accent1"/>
+    </dgm:linClrLst>
+    <dgm:effectClrLst/>
+    <dgm:txLinClrLst/>
+    <dgm:txFillClrLst meth="repeat">
+      <a:schemeClr val="dk1"/>
+    </dgm:txFillClrLst>
+    <dgm:txEffectClrLst/>
+  </dgm:styleLbl>
+  <dgm:styleLbl name="alignAcc1">
+    <dgm:fillClrLst meth="repeat">
+      <a:schemeClr val="lt1">
+        <a:alpha val="90000"/>
+      </a:schemeClr>
+    </dgm:fillClrLst>
+    <dgm:linClrLst meth="repeat">
+      <a:schemeClr val="accent1"/>
+    </dgm:linClrLst>
+    <dgm:effectClrLst/>
+    <dgm:txLinClrLst/>
+    <dgm:txFillClrLst meth="repeat">
+      <a:schemeClr val="dk1"/>
+    </dgm:txFillClrLst>
+    <dgm:txEffectClrLst/>
+  </dgm:styleLbl>
+  <dgm:styleLbl name="trAlignAcc1">
+    <dgm:fillClrLst meth="repeat">
+      <a:schemeClr val="lt1">
+        <a:alpha val="40000"/>
+      </a:schemeClr>
+    </dgm:fillClrLst>
+    <dgm:linClrLst meth="repeat">
+      <a:schemeClr val="accent1"/>
+    </dgm:linClrLst>
+    <dgm:effectClrLst/>
+    <dgm:txLinClrLst/>
+    <dgm:txFillClrLst meth="repeat">
+      <a:schemeClr val="dk1"/>
+    </dgm:txFillClrLst>
+    <dgm:txEffectClrLst/>
+  </dgm:styleLbl>
+  <dgm:styleLbl name="bgAcc1">
+    <dgm:fillClrLst meth="repeat">
+      <a:schemeClr val="lt1">
+        <a:alpha val="90000"/>
+      </a:schemeClr>
+    </dgm:fillClrLst>
+    <dgm:linClrLst meth="repeat">
+      <a:schemeClr val="accent1"/>
+    </dgm:linClrLst>
+    <dgm:effectClrLst/>
+    <dgm:txLinClrLst/>
+    <dgm:txFillClrLst meth="repeat">
+      <a:schemeClr val="dk1"/>
+    </dgm:txFillClrLst>
+    <dgm:txEffectClrLst/>
+  </dgm:styleLbl>
+  <dgm:styleLbl name="solidFgAcc1">
+    <dgm:fillClrLst meth="repeat">
+      <a:schemeClr val="lt1"/>
+    </dgm:fillClrLst>
+    <dgm:linClrLst meth="repeat">
+      <a:schemeClr val="accent1"/>
+    </dgm:linClrLst>
+    <dgm:effectClrLst/>
+    <dgm:txLinClrLst/>
+    <dgm:txFillClrLst meth="repeat">
+      <a:schemeClr val="dk1"/>
+    </dgm:txFillClrLst>
+    <dgm:txEffectClrLst/>
+  </dgm:styleLbl>
+  <dgm:styleLbl name="solidAlignAcc1">
+    <dgm:fillClrLst meth="repeat">
+      <a:schemeClr val="lt1"/>
+    </dgm:fillClrLst>
+    <dgm:linClrLst meth="repeat">
+      <a:schemeClr val="accent1"/>
+    </dgm:linClrLst>
+    <dgm:effectClrLst/>
+    <dgm:txLinClrLst/>
+    <dgm:txFillClrLst meth="repeat">
+      <a:schemeClr val="dk1"/>
+    </dgm:txFillClrLst>
+    <dgm:txEffectClrLst/>
+  </dgm:styleLbl>
+  <dgm:styleLbl name="solidBgAcc1">
+    <dgm:fillClrLst meth="repeat">
+      <a:schemeClr val="lt1"/>
+    </dgm:fillClrLst>
+    <dgm:linClrLst meth="repeat">
+      <a:schemeClr val="accent1"/>
+    </dgm:linClrLst>
+    <dgm:effectClrLst/>
+    <dgm:txLinClrLst/>
+    <dgm:txFillClrLst meth="repeat">
+      <a:schemeClr val="dk1"/>
+    </dgm:txFillClrLst>
+    <dgm:txEffectClrLst/>
+  </dgm:styleLbl>
+  <dgm:styleLbl name="fgAccFollowNode1">
+    <dgm:fillClrLst meth="repeat">
+      <a:schemeClr val="accent1">
+        <a:alpha val="90000"/>
+        <a:tint val="40000"/>
+      </a:schemeClr>
+    </dgm:fillClrLst>
+    <dgm:linClrLst meth="repeat">
+      <a:schemeClr val="accent1">
+        <a:alpha val="90000"/>
+        <a:tint val="40000"/>
+      </a:schemeClr>
+    </dgm:linClrLst>
+    <dgm:effectClrLst/>
+    <dgm:txLinClrLst/>
+    <dgm:txFillClrLst meth="repeat">
+      <a:schemeClr val="dk1"/>
+    </dgm:txFillClrLst>
+    <dgm:txEffectClrLst/>
+  </dgm:styleLbl>
+  <dgm:styleLbl name="alignAccFollowNode1">
+    <dgm:fillClrLst meth="repeat">
+      <a:schemeClr val="accent1">
+        <a:alpha val="90000"/>
+        <a:tint val="40000"/>
+      </a:schemeClr>
+    </dgm:fillClrLst>
+    <dgm:linClrLst meth="repeat">
+      <a:schemeClr val="accent1">
+        <a:alpha val="90000"/>
+        <a:tint val="40000"/>
+      </a:schemeClr>
+    </dgm:linClrLst>
+    <dgm:effectClrLst/>
+    <dgm:txLinClrLst/>
+    <dgm:txFillClrLst meth="repeat">
+      <a:schemeClr val="dk1"/>
+    </dgm:txFillClrLst>
+    <dgm:txEffectClrLst/>
+  </dgm:styleLbl>
+  <dgm:styleLbl name="bgAccFollowNode1">
+    <dgm:fillClrLst meth="repeat">
+      <a:schemeClr val="accent1">
+        <a:alpha val="90000"/>
+        <a:tint val="40000"/>
+      </a:schemeClr>
+    </dgm:fillClrLst>
+    <dgm:linClrLst meth="repeat">
+      <a:schemeClr val="accent1">
+        <a:alpha val="90000"/>
+        <a:tint val="40000"/>
+      </a:schemeClr>
+    </dgm:linClrLst>
+    <dgm:effectClrLst/>
+    <dgm:txLinClrLst/>
+    <dgm:txFillClrLst meth="repeat">
+      <a:schemeClr val="dk1"/>
+    </dgm:txFillClrLst>
+    <dgm:txEffectClrLst/>
+  </dgm:styleLbl>
+  <dgm:styleLbl name="fgAcc0">
+    <dgm:fillClrLst meth="repeat">
+      <a:schemeClr val="lt1">
+        <a:alpha val="90000"/>
+      </a:schemeClr>
+    </dgm:fillClrLst>
+    <dgm:linClrLst meth="repeat">
+      <a:schemeClr val="accent1"/>
+    </dgm:linClrLst>
+    <dgm:effectClrLst/>
+    <dgm:txLinClrLst/>
+    <dgm:txFillClrLst meth="repeat">
+      <a:schemeClr val="dk1"/>
+    </dgm:txFillClrLst>
+    <dgm:txEffectClrLst/>
+  </dgm:styleLbl>
+  <dgm:styleLbl name="fgAcc2">
+    <dgm:fillClrLst meth="repeat">
+      <a:schemeClr val="lt1">
+        <a:alpha val="90000"/>
+      </a:schemeClr>
+    </dgm:fillClrLst>
+    <dgm:linClrLst meth="repeat">
+      <a:schemeClr val="accent1"/>
+    </dgm:linClrLst>
+    <dgm:effectClrLst/>
+    <dgm:txLinClrLst/>
+    <dgm:txFillClrLst meth="repeat">
+      <a:schemeClr val="dk1"/>
+    </dgm:txFillClrLst>
+    <dgm:txEffectClrLst/>
+  </dgm:styleLbl>
+  <dgm:styleLbl name="fgAcc3">
+    <dgm:fillClrLst meth="repeat">
+      <a:schemeClr val="lt1">
+        <a:alpha val="90000"/>
+      </a:schemeClr>
+    </dgm:fillClrLst>
+    <dgm:linClrLst meth="repeat">
+      <a:schemeClr val="accent1"/>
+    </dgm:linClrLst>
+    <dgm:effectClrLst/>
+    <dgm:txLinClrLst/>
+    <dgm:txFillClrLst meth="repeat">
+      <a:schemeClr val="dk1"/>
+    </dgm:txFillClrLst>
+    <dgm:txEffectClrLst/>
+  </dgm:styleLbl>
+  <dgm:styleLbl name="fgAcc4">
+    <dgm:fillClrLst meth="repeat">
+      <a:schemeClr val="lt1">
+        <a:alpha val="90000"/>
+      </a:schemeClr>
+    </dgm:fillClrLst>
+    <dgm:linClrLst meth="repeat">
+      <a:schemeClr val="accent1"/>
+    </dgm:linClrLst>
+    <dgm:effectClrLst/>
+    <dgm:txLinClrLst/>
+    <dgm:txFillClrLst meth="repeat">
+      <a:schemeClr val="dk1"/>
+    </dgm:txFillClrLst>
+    <dgm:txEffectClrLst/>
+  </dgm:styleLbl>
+  <dgm:styleLbl name="bgShp">
+    <dgm:fillClrLst meth="repeat">
+      <a:schemeClr val="accent1">
+        <a:tint val="40000"/>
+      </a:schemeClr>
+    </dgm:fillClrLst>
+    <dgm:linClrLst meth="repeat">
+      <a:schemeClr val="accent1"/>
+    </dgm:linClrLst>
+    <dgm:effectClrLst/>
+    <dgm:txLinClrLst/>
+    <dgm:txFillClrLst meth="repeat">
+      <a:schemeClr val="dk1"/>
+    </dgm:txFillClrLst>
+    <dgm:txEffectClrLst/>
+  </dgm:styleLbl>
+  <dgm:styleLbl name="dkBgShp">
+    <dgm:fillClrLst meth="repeat">
+      <a:schemeClr val="accent1">
+        <a:shade val="80000"/>
+      </a:schemeClr>
+    </dgm:fillClrLst>
+    <dgm:linClrLst meth="repeat">
+      <a:schemeClr val="accent1"/>
+    </dgm:linClrLst>
+    <dgm:effectClrLst/>
+    <dgm:txLinClrLst/>
+    <dgm:txFillClrLst meth="repeat">
+      <a:schemeClr val="lt1"/>
+    </dgm:txFillClrLst>
+    <dgm:txEffectClrLst/>
+  </dgm:styleLbl>
+  <dgm:styleLbl name="trBgShp">
+    <dgm:fillClrLst meth="repeat">
+      <a:schemeClr val="accent1">
+        <a:tint val="50000"/>
+        <a:alpha val="40000"/>
+      </a:schemeClr>
+    </dgm:fillClrLst>
+    <dgm:linClrLst meth="repeat">
+      <a:schemeClr val="accent1"/>
+    </dgm:linClrLst>
+    <dgm:effectClrLst/>
+    <dgm:txLinClrLst/>
+    <dgm:txFillClrLst meth="repeat">
+      <a:schemeClr val="lt1"/>
+    </dgm:txFillClrLst>
+    <dgm:txEffectClrLst/>
+  </dgm:styleLbl>
+  <dgm:styleLbl name="fgShp">
+    <dgm:fillClrLst meth="repeat">
+      <a:schemeClr val="accent1">
+        <a:tint val="60000"/>
+      </a:schemeClr>
+    </dgm:fillClrLst>
+    <dgm:linClrLst meth="repeat">
+      <a:schemeClr val="lt1"/>
+    </dgm:linClrLst>
+    <dgm:effectClrLst/>
+    <dgm:txLinClrLst/>
+    <dgm:txFillClrLst meth="repeat">
+      <a:schemeClr val="dk1"/>
+    </dgm:txFillClrLst>
+    <dgm:txEffectClrLst/>
+  </dgm:styleLbl>
+  <dgm:styleLbl name="revTx">
+    <dgm:fillClrLst meth="repeat">
+      <a:schemeClr val="lt1">
+        <a:alpha val="0"/>
+      </a:schemeClr>
+    </dgm:fillClrLst>
+    <dgm:linClrLst meth="repeat">
+      <a:schemeClr val="dk1">
+        <a:alpha val="0"/>
+      </a:schemeClr>
+    </dgm:linClrLst>
+    <dgm:effectClrLst/>
+    <dgm:txLinClrLst/>
+    <dgm:txFillClrLst meth="repeat">
+      <a:schemeClr val="tx1"/>
+    </dgm:txFillClrLst>
+    <dgm:txEffectClrLst/>
+  </dgm:styleLbl>
+</dgm:colorsDef>
+</file>
+
+<file path=ppt/diagrams/colors7.xml><?xml version="1.0" encoding="utf-8"?>
 <dgm:colorsDef xmlns:dgm="http://schemas.openxmlformats.org/drawingml/2006/diagram" xmlns:a="http://schemas.openxmlformats.org/drawingml/2006/main" uniqueId="urn:microsoft.com/office/officeart/2018/5/colors/Iconchunking_neutralbg_colorful1">
   <dgm:title val=""/>
   <dgm:desc val=""/>
@@ -6407,6 +7155,415 @@
 </file>
 
 <file path=ppt/diagrams/data6.xml><?xml version="1.0" encoding="utf-8"?>
+<dgm:dataModel xmlns:dgm="http://schemas.openxmlformats.org/drawingml/2006/diagram" xmlns:a="http://schemas.openxmlformats.org/drawingml/2006/main">
+  <dgm:ptLst>
+    <dgm:pt modelId="{C077433F-124F-467F-B75D-CBB126E2FF08}" type="doc">
+      <dgm:prSet loTypeId="urn:microsoft.com/office/officeart/2005/8/layout/list1" loCatId="list" qsTypeId="urn:microsoft.com/office/officeart/2005/8/quickstyle/simple4" qsCatId="simple" csTypeId="urn:microsoft.com/office/officeart/2005/8/colors/accent1_2" csCatId="accent1" phldr="1"/>
+      <dgm:spPr/>
+      <dgm:t>
+        <a:bodyPr/>
+        <a:lstStyle/>
+        <a:p>
+          <a:endParaRPr lang="en-US"/>
+        </a:p>
+      </dgm:t>
+    </dgm:pt>
+    <dgm:pt modelId="{A8A52E74-1CA0-4AAD-962E-1A97B7C05527}">
+      <dgm:prSet/>
+      <dgm:spPr/>
+      <dgm:t>
+        <a:bodyPr/>
+        <a:lstStyle/>
+        <a:p>
+          <a:r>
+            <a:rPr lang="nl-BE" dirty="0"/>
+            <a:t>(Casting)</a:t>
+          </a:r>
+          <a:endParaRPr lang="en-US" dirty="0"/>
+        </a:p>
+      </dgm:t>
+    </dgm:pt>
+    <dgm:pt modelId="{BD48FD63-8024-4F12-91BF-7C85D24F3019}" type="parTrans" cxnId="{3AB7A1C2-A741-4C0A-9462-D0098BE5BABE}">
+      <dgm:prSet/>
+      <dgm:spPr/>
+      <dgm:t>
+        <a:bodyPr/>
+        <a:lstStyle/>
+        <a:p>
+          <a:endParaRPr lang="en-US"/>
+        </a:p>
+      </dgm:t>
+    </dgm:pt>
+    <dgm:pt modelId="{00FFC5CD-7657-4AD3-8845-A6428DA4DEC3}" type="sibTrans" cxnId="{3AB7A1C2-A741-4C0A-9462-D0098BE5BABE}">
+      <dgm:prSet/>
+      <dgm:spPr/>
+      <dgm:t>
+        <a:bodyPr/>
+        <a:lstStyle/>
+        <a:p>
+          <a:endParaRPr lang="en-US"/>
+        </a:p>
+      </dgm:t>
+    </dgm:pt>
+    <dgm:pt modelId="{628CE033-9ACE-4290-9B7C-C2AFF93AAAD7}">
+      <dgm:prSet/>
+      <dgm:spPr/>
+      <dgm:t>
+        <a:bodyPr/>
+        <a:lstStyle/>
+        <a:p>
+          <a:r>
+            <a:rPr lang="en-US" dirty="0" err="1"/>
+            <a:t>Converteren</a:t>
+          </a:r>
+          <a:endParaRPr lang="en-US" dirty="0"/>
+        </a:p>
+      </dgm:t>
+    </dgm:pt>
+    <dgm:pt modelId="{E98BF465-FDA4-40C9-8CB6-F9B05C161533}" type="parTrans" cxnId="{E185C52E-0F96-4FE3-B166-0587565F7EA3}">
+      <dgm:prSet/>
+      <dgm:spPr/>
+      <dgm:t>
+        <a:bodyPr/>
+        <a:lstStyle/>
+        <a:p>
+          <a:endParaRPr lang="nl-BE"/>
+        </a:p>
+      </dgm:t>
+    </dgm:pt>
+    <dgm:pt modelId="{C90A07DF-22E9-4113-9FC9-ED2EB77665DC}" type="sibTrans" cxnId="{E185C52E-0F96-4FE3-B166-0587565F7EA3}">
+      <dgm:prSet/>
+      <dgm:spPr/>
+      <dgm:t>
+        <a:bodyPr/>
+        <a:lstStyle/>
+        <a:p>
+          <a:endParaRPr lang="nl-BE"/>
+        </a:p>
+      </dgm:t>
+    </dgm:pt>
+    <dgm:pt modelId="{06EB0530-E30F-4A9D-9C12-36EE862164D4}">
+      <dgm:prSet/>
+      <dgm:spPr/>
+      <dgm:t>
+        <a:bodyPr/>
+        <a:lstStyle/>
+        <a:p>
+          <a:r>
+            <a:rPr lang="nl-BE"/>
+            <a:t>Widening en narrowing</a:t>
+          </a:r>
+          <a:endParaRPr lang="en-US"/>
+        </a:p>
+      </dgm:t>
+    </dgm:pt>
+    <dgm:pt modelId="{77A9FB28-1110-4A52-BA74-73FD62DA0E38}" type="parTrans" cxnId="{9A0D98F7-5A8B-4589-BE13-6ADA71C89E68}">
+      <dgm:prSet/>
+      <dgm:spPr/>
+      <dgm:t>
+        <a:bodyPr/>
+        <a:lstStyle/>
+        <a:p>
+          <a:endParaRPr lang="nl-BE"/>
+        </a:p>
+      </dgm:t>
+    </dgm:pt>
+    <dgm:pt modelId="{0206E734-A514-49BE-9B1F-271CFA9D891F}" type="sibTrans" cxnId="{9A0D98F7-5A8B-4589-BE13-6ADA71C89E68}">
+      <dgm:prSet/>
+      <dgm:spPr/>
+      <dgm:t>
+        <a:bodyPr/>
+        <a:lstStyle/>
+        <a:p>
+          <a:endParaRPr lang="nl-BE"/>
+        </a:p>
+      </dgm:t>
+    </dgm:pt>
+    <dgm:pt modelId="{B8F57421-9BB7-463F-8D72-94C3929560CB}">
+      <dgm:prSet/>
+      <dgm:spPr/>
+      <dgm:t>
+        <a:bodyPr/>
+        <a:lstStyle/>
+        <a:p>
+          <a:r>
+            <a:rPr lang="en-US" dirty="0"/>
+            <a:t>Convert-</a:t>
+          </a:r>
+          <a:r>
+            <a:rPr lang="en-US" dirty="0" err="1"/>
+            <a:t>bibliotheek</a:t>
+          </a:r>
+          <a:endParaRPr lang="en-US" dirty="0"/>
+        </a:p>
+      </dgm:t>
+    </dgm:pt>
+    <dgm:pt modelId="{B834F49A-32C3-4EAE-A8C2-EBADA2DB9350}" type="parTrans" cxnId="{1D2B6B8A-1E66-4D12-BDD2-40CD8F86721F}">
+      <dgm:prSet/>
+      <dgm:spPr/>
+      <dgm:t>
+        <a:bodyPr/>
+        <a:lstStyle/>
+        <a:p>
+          <a:endParaRPr lang="nl-BE"/>
+        </a:p>
+      </dgm:t>
+    </dgm:pt>
+    <dgm:pt modelId="{A0245E07-AA7D-41BE-A9EB-EC5D50D72C37}" type="sibTrans" cxnId="{1D2B6B8A-1E66-4D12-BDD2-40CD8F86721F}">
+      <dgm:prSet/>
+      <dgm:spPr/>
+      <dgm:t>
+        <a:bodyPr/>
+        <a:lstStyle/>
+        <a:p>
+          <a:endParaRPr lang="nl-BE"/>
+        </a:p>
+      </dgm:t>
+    </dgm:pt>
+    <dgm:pt modelId="{0710D389-A0A1-4866-93FB-198AD6CA03C3}">
+      <dgm:prSet/>
+      <dgm:spPr/>
+      <dgm:t>
+        <a:bodyPr/>
+        <a:lstStyle/>
+        <a:p>
+          <a:r>
+            <a:rPr lang="en-US" dirty="0"/>
+            <a:t>Parsing</a:t>
+          </a:r>
+        </a:p>
+      </dgm:t>
+    </dgm:pt>
+    <dgm:pt modelId="{37A10C79-B5D4-4F92-856F-F93E5547EC16}" type="parTrans" cxnId="{7202B148-DDB6-4C82-BDFC-5FBA0315F956}">
+      <dgm:prSet/>
+      <dgm:spPr/>
+      <dgm:t>
+        <a:bodyPr/>
+        <a:lstStyle/>
+        <a:p>
+          <a:endParaRPr lang="nl-BE"/>
+        </a:p>
+      </dgm:t>
+    </dgm:pt>
+    <dgm:pt modelId="{4736FC87-1218-4C76-B4F5-5980EE52E575}" type="sibTrans" cxnId="{7202B148-DDB6-4C82-BDFC-5FBA0315F956}">
+      <dgm:prSet/>
+      <dgm:spPr/>
+      <dgm:t>
+        <a:bodyPr/>
+        <a:lstStyle/>
+        <a:p>
+          <a:endParaRPr lang="nl-BE"/>
+        </a:p>
+      </dgm:t>
+    </dgm:pt>
+    <dgm:pt modelId="{AA5E7C84-8A4F-4743-8834-77C80653D998}">
+      <dgm:prSet/>
+      <dgm:spPr/>
+      <dgm:t>
+        <a:bodyPr/>
+        <a:lstStyle/>
+        <a:p>
+          <a:r>
+            <a:rPr lang="en-US" dirty="0" err="1"/>
+            <a:t>Enkel</a:t>
+          </a:r>
+          <a:r>
+            <a:rPr lang="en-US" dirty="0"/>
+            <a:t> Strings </a:t>
+          </a:r>
+          <a:r>
+            <a:rPr lang="en-US" dirty="0" err="1"/>
+            <a:t>omzetten</a:t>
+          </a:r>
+          <a:r>
+            <a:rPr lang="en-US" dirty="0"/>
+            <a:t> (intern </a:t>
+          </a:r>
+          <a:r>
+            <a:rPr lang="en-US" dirty="0" err="1"/>
+            <a:t>meestal</a:t>
+          </a:r>
+          <a:r>
+            <a:rPr lang="en-US" dirty="0"/>
+            <a:t> Convert)</a:t>
+          </a:r>
+        </a:p>
+      </dgm:t>
+    </dgm:pt>
+    <dgm:pt modelId="{9CF4B10B-A6ED-4EB7-AF0D-C582ACE499B2}" type="parTrans" cxnId="{BEF55F64-8D73-48A7-9C52-4B514E91071F}">
+      <dgm:prSet/>
+      <dgm:spPr/>
+      <dgm:t>
+        <a:bodyPr/>
+        <a:lstStyle/>
+        <a:p>
+          <a:endParaRPr lang="nl-BE"/>
+        </a:p>
+      </dgm:t>
+    </dgm:pt>
+    <dgm:pt modelId="{35418EE5-7E22-40CF-BAAA-7630046DDA2F}" type="sibTrans" cxnId="{BEF55F64-8D73-48A7-9C52-4B514E91071F}">
+      <dgm:prSet/>
+      <dgm:spPr/>
+      <dgm:t>
+        <a:bodyPr/>
+        <a:lstStyle/>
+        <a:p>
+          <a:endParaRPr lang="nl-BE"/>
+        </a:p>
+      </dgm:t>
+    </dgm:pt>
+    <dgm:pt modelId="{F801216E-6DF0-4E05-A73A-1E2F66C2EE67}" type="pres">
+      <dgm:prSet presAssocID="{C077433F-124F-467F-B75D-CBB126E2FF08}" presName="linear" presStyleCnt="0">
+        <dgm:presLayoutVars>
+          <dgm:dir/>
+          <dgm:animLvl val="lvl"/>
+          <dgm:resizeHandles val="exact"/>
+        </dgm:presLayoutVars>
+      </dgm:prSet>
+      <dgm:spPr/>
+    </dgm:pt>
+    <dgm:pt modelId="{BBA63124-1A91-4B13-A2C7-DAF97E03E4B2}" type="pres">
+      <dgm:prSet presAssocID="{A8A52E74-1CA0-4AAD-962E-1A97B7C05527}" presName="parentLin" presStyleCnt="0"/>
+      <dgm:spPr/>
+    </dgm:pt>
+    <dgm:pt modelId="{031C3026-DFB9-44D0-A4AC-92EDA1DDFAF1}" type="pres">
+      <dgm:prSet presAssocID="{A8A52E74-1CA0-4AAD-962E-1A97B7C05527}" presName="parentLeftMargin" presStyleLbl="node1" presStyleIdx="0" presStyleCnt="3"/>
+      <dgm:spPr/>
+    </dgm:pt>
+    <dgm:pt modelId="{1652B8A1-FF56-4760-9DEE-93995EE3C4AB}" type="pres">
+      <dgm:prSet presAssocID="{A8A52E74-1CA0-4AAD-962E-1A97B7C05527}" presName="parentText" presStyleLbl="node1" presStyleIdx="0" presStyleCnt="3">
+        <dgm:presLayoutVars>
+          <dgm:chMax val="0"/>
+          <dgm:bulletEnabled val="1"/>
+        </dgm:presLayoutVars>
+      </dgm:prSet>
+      <dgm:spPr/>
+    </dgm:pt>
+    <dgm:pt modelId="{849DA119-9B6C-4FE0-B6FB-51F17134BE99}" type="pres">
+      <dgm:prSet presAssocID="{A8A52E74-1CA0-4AAD-962E-1A97B7C05527}" presName="negativeSpace" presStyleCnt="0"/>
+      <dgm:spPr/>
+    </dgm:pt>
+    <dgm:pt modelId="{7C5DC0EC-BBB0-4918-9CA5-7F686BD47B2C}" type="pres">
+      <dgm:prSet presAssocID="{A8A52E74-1CA0-4AAD-962E-1A97B7C05527}" presName="childText" presStyleLbl="conFgAcc1" presStyleIdx="0" presStyleCnt="3">
+        <dgm:presLayoutVars>
+          <dgm:bulletEnabled val="1"/>
+        </dgm:presLayoutVars>
+      </dgm:prSet>
+      <dgm:spPr/>
+    </dgm:pt>
+    <dgm:pt modelId="{0816BB98-B6BD-4AAD-9750-39B6E2F144E4}" type="pres">
+      <dgm:prSet presAssocID="{00FFC5CD-7657-4AD3-8845-A6428DA4DEC3}" presName="spaceBetweenRectangles" presStyleCnt="0"/>
+      <dgm:spPr/>
+    </dgm:pt>
+    <dgm:pt modelId="{0F775E0E-924A-4173-AC46-BFF79912D71E}" type="pres">
+      <dgm:prSet presAssocID="{628CE033-9ACE-4290-9B7C-C2AFF93AAAD7}" presName="parentLin" presStyleCnt="0"/>
+      <dgm:spPr/>
+    </dgm:pt>
+    <dgm:pt modelId="{C0935A71-31DA-4522-B637-31959BB68580}" type="pres">
+      <dgm:prSet presAssocID="{628CE033-9ACE-4290-9B7C-C2AFF93AAAD7}" presName="parentLeftMargin" presStyleLbl="node1" presStyleIdx="0" presStyleCnt="3"/>
+      <dgm:spPr/>
+    </dgm:pt>
+    <dgm:pt modelId="{EB24C66C-F954-48A4-B801-8A7FE45CA0EA}" type="pres">
+      <dgm:prSet presAssocID="{628CE033-9ACE-4290-9B7C-C2AFF93AAAD7}" presName="parentText" presStyleLbl="node1" presStyleIdx="1" presStyleCnt="3">
+        <dgm:presLayoutVars>
+          <dgm:chMax val="0"/>
+          <dgm:bulletEnabled val="1"/>
+        </dgm:presLayoutVars>
+      </dgm:prSet>
+      <dgm:spPr/>
+    </dgm:pt>
+    <dgm:pt modelId="{7C7C8D04-9199-47DD-8AD8-93056280E5B3}" type="pres">
+      <dgm:prSet presAssocID="{628CE033-9ACE-4290-9B7C-C2AFF93AAAD7}" presName="negativeSpace" presStyleCnt="0"/>
+      <dgm:spPr/>
+    </dgm:pt>
+    <dgm:pt modelId="{F3F2E7CC-754A-4A22-9F0B-FFCE3FA8E607}" type="pres">
+      <dgm:prSet presAssocID="{628CE033-9ACE-4290-9B7C-C2AFF93AAAD7}" presName="childText" presStyleLbl="conFgAcc1" presStyleIdx="1" presStyleCnt="3">
+        <dgm:presLayoutVars>
+          <dgm:bulletEnabled val="1"/>
+        </dgm:presLayoutVars>
+      </dgm:prSet>
+      <dgm:spPr/>
+    </dgm:pt>
+    <dgm:pt modelId="{364D354F-958F-4962-A724-5E20FA1FC8BD}" type="pres">
+      <dgm:prSet presAssocID="{C90A07DF-22E9-4113-9FC9-ED2EB77665DC}" presName="spaceBetweenRectangles" presStyleCnt="0"/>
+      <dgm:spPr/>
+    </dgm:pt>
+    <dgm:pt modelId="{F8C74D35-7314-4C4A-8EAC-7350C097EE9C}" type="pres">
+      <dgm:prSet presAssocID="{0710D389-A0A1-4866-93FB-198AD6CA03C3}" presName="parentLin" presStyleCnt="0"/>
+      <dgm:spPr/>
+    </dgm:pt>
+    <dgm:pt modelId="{8B45F1F8-24CA-4772-94BF-DCEDF0B3562F}" type="pres">
+      <dgm:prSet presAssocID="{0710D389-A0A1-4866-93FB-198AD6CA03C3}" presName="parentLeftMargin" presStyleLbl="node1" presStyleIdx="1" presStyleCnt="3"/>
+      <dgm:spPr/>
+    </dgm:pt>
+    <dgm:pt modelId="{594FB041-BF2E-4D29-AE45-D002D7C56D45}" type="pres">
+      <dgm:prSet presAssocID="{0710D389-A0A1-4866-93FB-198AD6CA03C3}" presName="parentText" presStyleLbl="node1" presStyleIdx="2" presStyleCnt="3">
+        <dgm:presLayoutVars>
+          <dgm:chMax val="0"/>
+          <dgm:bulletEnabled val="1"/>
+        </dgm:presLayoutVars>
+      </dgm:prSet>
+      <dgm:spPr/>
+    </dgm:pt>
+    <dgm:pt modelId="{DE52EF2A-95CD-4A01-B945-F469C7072FCA}" type="pres">
+      <dgm:prSet presAssocID="{0710D389-A0A1-4866-93FB-198AD6CA03C3}" presName="negativeSpace" presStyleCnt="0"/>
+      <dgm:spPr/>
+    </dgm:pt>
+    <dgm:pt modelId="{8A69894F-8817-4259-BFFE-6B1524309C7F}" type="pres">
+      <dgm:prSet presAssocID="{0710D389-A0A1-4866-93FB-198AD6CA03C3}" presName="childText" presStyleLbl="conFgAcc1" presStyleIdx="2" presStyleCnt="3">
+        <dgm:presLayoutVars>
+          <dgm:bulletEnabled val="1"/>
+        </dgm:presLayoutVars>
+      </dgm:prSet>
+      <dgm:spPr/>
+    </dgm:pt>
+  </dgm:ptLst>
+  <dgm:cxnLst>
+    <dgm:cxn modelId="{16DC2D29-2F81-4F46-98FC-C08EC0580DDD}" type="presOf" srcId="{628CE033-9ACE-4290-9B7C-C2AFF93AAAD7}" destId="{EB24C66C-F954-48A4-B801-8A7FE45CA0EA}" srcOrd="1" destOrd="0" presId="urn:microsoft.com/office/officeart/2005/8/layout/list1"/>
+    <dgm:cxn modelId="{E185C52E-0F96-4FE3-B166-0587565F7EA3}" srcId="{C077433F-124F-467F-B75D-CBB126E2FF08}" destId="{628CE033-9ACE-4290-9B7C-C2AFF93AAAD7}" srcOrd="1" destOrd="0" parTransId="{E98BF465-FDA4-40C9-8CB6-F9B05C161533}" sibTransId="{C90A07DF-22E9-4113-9FC9-ED2EB77665DC}"/>
+    <dgm:cxn modelId="{2AFA1931-AC76-4E67-B75F-3A5BB891C833}" type="presOf" srcId="{06EB0530-E30F-4A9D-9C12-36EE862164D4}" destId="{7C5DC0EC-BBB0-4918-9CA5-7F686BD47B2C}" srcOrd="0" destOrd="0" presId="urn:microsoft.com/office/officeart/2005/8/layout/list1"/>
+    <dgm:cxn modelId="{BEF55F64-8D73-48A7-9C52-4B514E91071F}" srcId="{0710D389-A0A1-4866-93FB-198AD6CA03C3}" destId="{AA5E7C84-8A4F-4743-8834-77C80653D998}" srcOrd="0" destOrd="0" parTransId="{9CF4B10B-A6ED-4EB7-AF0D-C582ACE499B2}" sibTransId="{35418EE5-7E22-40CF-BAAA-7630046DDA2F}"/>
+    <dgm:cxn modelId="{7202B148-DDB6-4C82-BDFC-5FBA0315F956}" srcId="{C077433F-124F-467F-B75D-CBB126E2FF08}" destId="{0710D389-A0A1-4866-93FB-198AD6CA03C3}" srcOrd="2" destOrd="0" parTransId="{37A10C79-B5D4-4F92-856F-F93E5547EC16}" sibTransId="{4736FC87-1218-4C76-B4F5-5980EE52E575}"/>
+    <dgm:cxn modelId="{1D2B6B8A-1E66-4D12-BDD2-40CD8F86721F}" srcId="{628CE033-9ACE-4290-9B7C-C2AFF93AAAD7}" destId="{B8F57421-9BB7-463F-8D72-94C3929560CB}" srcOrd="0" destOrd="0" parTransId="{B834F49A-32C3-4EAE-A8C2-EBADA2DB9350}" sibTransId="{A0245E07-AA7D-41BE-A9EB-EC5D50D72C37}"/>
+    <dgm:cxn modelId="{FD013E94-283C-4C29-B779-F730775EBA3F}" type="presOf" srcId="{AA5E7C84-8A4F-4743-8834-77C80653D998}" destId="{8A69894F-8817-4259-BFFE-6B1524309C7F}" srcOrd="0" destOrd="0" presId="urn:microsoft.com/office/officeart/2005/8/layout/list1"/>
+    <dgm:cxn modelId="{9C96C89A-2056-42A8-9169-54E2153BE3D5}" type="presOf" srcId="{0710D389-A0A1-4866-93FB-198AD6CA03C3}" destId="{594FB041-BF2E-4D29-AE45-D002D7C56D45}" srcOrd="1" destOrd="0" presId="urn:microsoft.com/office/officeart/2005/8/layout/list1"/>
+    <dgm:cxn modelId="{322BC8A3-2D4A-47A2-A722-3161634BB9D6}" type="presOf" srcId="{A8A52E74-1CA0-4AAD-962E-1A97B7C05527}" destId="{031C3026-DFB9-44D0-A4AC-92EDA1DDFAF1}" srcOrd="0" destOrd="0" presId="urn:microsoft.com/office/officeart/2005/8/layout/list1"/>
+    <dgm:cxn modelId="{078E30AB-75C6-42CC-AD4C-15411F146911}" type="presOf" srcId="{0710D389-A0A1-4866-93FB-198AD6CA03C3}" destId="{8B45F1F8-24CA-4772-94BF-DCEDF0B3562F}" srcOrd="0" destOrd="0" presId="urn:microsoft.com/office/officeart/2005/8/layout/list1"/>
+    <dgm:cxn modelId="{EBB8AFB4-CB64-4C19-BBBE-F459B1F9CF8D}" type="presOf" srcId="{628CE033-9ACE-4290-9B7C-C2AFF93AAAD7}" destId="{C0935A71-31DA-4522-B637-31959BB68580}" srcOrd="0" destOrd="0" presId="urn:microsoft.com/office/officeart/2005/8/layout/list1"/>
+    <dgm:cxn modelId="{3AB7A1C2-A741-4C0A-9462-D0098BE5BABE}" srcId="{C077433F-124F-467F-B75D-CBB126E2FF08}" destId="{A8A52E74-1CA0-4AAD-962E-1A97B7C05527}" srcOrd="0" destOrd="0" parTransId="{BD48FD63-8024-4F12-91BF-7C85D24F3019}" sibTransId="{00FFC5CD-7657-4AD3-8845-A6428DA4DEC3}"/>
+    <dgm:cxn modelId="{0D5774C8-06E3-4A66-B9A5-F7F9D8197551}" type="presOf" srcId="{B8F57421-9BB7-463F-8D72-94C3929560CB}" destId="{F3F2E7CC-754A-4A22-9F0B-FFCE3FA8E607}" srcOrd="0" destOrd="0" presId="urn:microsoft.com/office/officeart/2005/8/layout/list1"/>
+    <dgm:cxn modelId="{D11CF6DB-BF86-4B80-8504-5992488178AC}" type="presOf" srcId="{C077433F-124F-467F-B75D-CBB126E2FF08}" destId="{F801216E-6DF0-4E05-A73A-1E2F66C2EE67}" srcOrd="0" destOrd="0" presId="urn:microsoft.com/office/officeart/2005/8/layout/list1"/>
+    <dgm:cxn modelId="{7AE87FE5-E1CE-4E48-941F-64B6A3653EE2}" type="presOf" srcId="{A8A52E74-1CA0-4AAD-962E-1A97B7C05527}" destId="{1652B8A1-FF56-4760-9DEE-93995EE3C4AB}" srcOrd="1" destOrd="0" presId="urn:microsoft.com/office/officeart/2005/8/layout/list1"/>
+    <dgm:cxn modelId="{9A0D98F7-5A8B-4589-BE13-6ADA71C89E68}" srcId="{A8A52E74-1CA0-4AAD-962E-1A97B7C05527}" destId="{06EB0530-E30F-4A9D-9C12-36EE862164D4}" srcOrd="0" destOrd="0" parTransId="{77A9FB28-1110-4A52-BA74-73FD62DA0E38}" sibTransId="{0206E734-A514-49BE-9B1F-271CFA9D891F}"/>
+    <dgm:cxn modelId="{7020D14F-5F36-4AE5-A670-016F7C38F688}" type="presParOf" srcId="{F801216E-6DF0-4E05-A73A-1E2F66C2EE67}" destId="{BBA63124-1A91-4B13-A2C7-DAF97E03E4B2}" srcOrd="0" destOrd="0" presId="urn:microsoft.com/office/officeart/2005/8/layout/list1"/>
+    <dgm:cxn modelId="{FE49A9C5-633A-4AF0-9CEE-30480D84B479}" type="presParOf" srcId="{BBA63124-1A91-4B13-A2C7-DAF97E03E4B2}" destId="{031C3026-DFB9-44D0-A4AC-92EDA1DDFAF1}" srcOrd="0" destOrd="0" presId="urn:microsoft.com/office/officeart/2005/8/layout/list1"/>
+    <dgm:cxn modelId="{6B17A0BE-6F13-4860-B60F-85490A9F44E9}" type="presParOf" srcId="{BBA63124-1A91-4B13-A2C7-DAF97E03E4B2}" destId="{1652B8A1-FF56-4760-9DEE-93995EE3C4AB}" srcOrd="1" destOrd="0" presId="urn:microsoft.com/office/officeart/2005/8/layout/list1"/>
+    <dgm:cxn modelId="{5FA5F46F-EC7A-4C63-AB52-E87B42233D82}" type="presParOf" srcId="{F801216E-6DF0-4E05-A73A-1E2F66C2EE67}" destId="{849DA119-9B6C-4FE0-B6FB-51F17134BE99}" srcOrd="1" destOrd="0" presId="urn:microsoft.com/office/officeart/2005/8/layout/list1"/>
+    <dgm:cxn modelId="{048E298D-E550-4F09-BEFD-7C333C10E4B2}" type="presParOf" srcId="{F801216E-6DF0-4E05-A73A-1E2F66C2EE67}" destId="{7C5DC0EC-BBB0-4918-9CA5-7F686BD47B2C}" srcOrd="2" destOrd="0" presId="urn:microsoft.com/office/officeart/2005/8/layout/list1"/>
+    <dgm:cxn modelId="{3A83DB36-2046-493E-91A0-105FB00F4A66}" type="presParOf" srcId="{F801216E-6DF0-4E05-A73A-1E2F66C2EE67}" destId="{0816BB98-B6BD-4AAD-9750-39B6E2F144E4}" srcOrd="3" destOrd="0" presId="urn:microsoft.com/office/officeart/2005/8/layout/list1"/>
+    <dgm:cxn modelId="{06E8F37D-AE0D-4B07-91AB-CBF61D622898}" type="presParOf" srcId="{F801216E-6DF0-4E05-A73A-1E2F66C2EE67}" destId="{0F775E0E-924A-4173-AC46-BFF79912D71E}" srcOrd="4" destOrd="0" presId="urn:microsoft.com/office/officeart/2005/8/layout/list1"/>
+    <dgm:cxn modelId="{9D907A53-6623-43AA-B49B-70E876CFCD05}" type="presParOf" srcId="{0F775E0E-924A-4173-AC46-BFF79912D71E}" destId="{C0935A71-31DA-4522-B637-31959BB68580}" srcOrd="0" destOrd="0" presId="urn:microsoft.com/office/officeart/2005/8/layout/list1"/>
+    <dgm:cxn modelId="{C2DB2C75-2388-4CE7-A627-2DF67E70B47C}" type="presParOf" srcId="{0F775E0E-924A-4173-AC46-BFF79912D71E}" destId="{EB24C66C-F954-48A4-B801-8A7FE45CA0EA}" srcOrd="1" destOrd="0" presId="urn:microsoft.com/office/officeart/2005/8/layout/list1"/>
+    <dgm:cxn modelId="{5C251FD7-47D0-44C3-B26F-934D0B52F835}" type="presParOf" srcId="{F801216E-6DF0-4E05-A73A-1E2F66C2EE67}" destId="{7C7C8D04-9199-47DD-8AD8-93056280E5B3}" srcOrd="5" destOrd="0" presId="urn:microsoft.com/office/officeart/2005/8/layout/list1"/>
+    <dgm:cxn modelId="{0BC76888-B102-4578-8AA6-F4FEC43EBE38}" type="presParOf" srcId="{F801216E-6DF0-4E05-A73A-1E2F66C2EE67}" destId="{F3F2E7CC-754A-4A22-9F0B-FFCE3FA8E607}" srcOrd="6" destOrd="0" presId="urn:microsoft.com/office/officeart/2005/8/layout/list1"/>
+    <dgm:cxn modelId="{385E50C7-A21F-4402-9E88-0B572EF34F24}" type="presParOf" srcId="{F801216E-6DF0-4E05-A73A-1E2F66C2EE67}" destId="{364D354F-958F-4962-A724-5E20FA1FC8BD}" srcOrd="7" destOrd="0" presId="urn:microsoft.com/office/officeart/2005/8/layout/list1"/>
+    <dgm:cxn modelId="{500342DD-EB11-4F6C-9958-D963E2B83E47}" type="presParOf" srcId="{F801216E-6DF0-4E05-A73A-1E2F66C2EE67}" destId="{F8C74D35-7314-4C4A-8EAC-7350C097EE9C}" srcOrd="8" destOrd="0" presId="urn:microsoft.com/office/officeart/2005/8/layout/list1"/>
+    <dgm:cxn modelId="{8BE003D8-3493-4358-965E-7033F2A92FEB}" type="presParOf" srcId="{F8C74D35-7314-4C4A-8EAC-7350C097EE9C}" destId="{8B45F1F8-24CA-4772-94BF-DCEDF0B3562F}" srcOrd="0" destOrd="0" presId="urn:microsoft.com/office/officeart/2005/8/layout/list1"/>
+    <dgm:cxn modelId="{5D38FCA8-4402-49BA-9D4E-668B269C141F}" type="presParOf" srcId="{F8C74D35-7314-4C4A-8EAC-7350C097EE9C}" destId="{594FB041-BF2E-4D29-AE45-D002D7C56D45}" srcOrd="1" destOrd="0" presId="urn:microsoft.com/office/officeart/2005/8/layout/list1"/>
+    <dgm:cxn modelId="{BD5B6B8E-3CFB-4F51-A35F-5D7F32307AC1}" type="presParOf" srcId="{F801216E-6DF0-4E05-A73A-1E2F66C2EE67}" destId="{DE52EF2A-95CD-4A01-B945-F469C7072FCA}" srcOrd="9" destOrd="0" presId="urn:microsoft.com/office/officeart/2005/8/layout/list1"/>
+    <dgm:cxn modelId="{C173C836-DDFB-4166-8AB8-10F1B746D7A3}" type="presParOf" srcId="{F801216E-6DF0-4E05-A73A-1E2F66C2EE67}" destId="{8A69894F-8817-4259-BFFE-6B1524309C7F}" srcOrd="10" destOrd="0" presId="urn:microsoft.com/office/officeart/2005/8/layout/list1"/>
+  </dgm:cxnLst>
+  <dgm:bg/>
+  <dgm:whole/>
+  <dgm:extLst>
+    <a:ext uri="http://schemas.microsoft.com/office/drawing/2008/diagram">
+      <dsp:dataModelExt xmlns:dsp="http://schemas.microsoft.com/office/drawing/2008/diagram" relId="rId6" minVer="http://schemas.openxmlformats.org/drawingml/2006/diagram"/>
+    </a:ext>
+  </dgm:extLst>
+</dgm:dataModel>
+</file>
+
+<file path=ppt/diagrams/data7.xml><?xml version="1.0" encoding="utf-8"?>
 <dgm:dataModel xmlns:dgm="http://schemas.openxmlformats.org/drawingml/2006/diagram" xmlns:a="http://schemas.openxmlformats.org/drawingml/2006/main">
   <dgm:ptLst>
     <dgm:pt modelId="{20997C8E-1354-47EC-88DF-8BC9CA7B59BC}" type="doc">
@@ -8608,6 +9765,574 @@
       <dsp:cNvGrpSpPr/>
     </dsp:nvGrpSpPr>
     <dsp:grpSpPr/>
+    <dsp:sp modelId="{7C5DC0EC-BBB0-4918-9CA5-7F686BD47B2C}">
+      <dsp:nvSpPr>
+        <dsp:cNvPr id="0" name=""/>
+        <dsp:cNvSpPr/>
+      </dsp:nvSpPr>
+      <dsp:spPr>
+        <a:xfrm>
+          <a:off x="0" y="485377"/>
+          <a:ext cx="8081260" cy="1148175"/>
+        </a:xfrm>
+        <a:prstGeom prst="rect">
+          <a:avLst/>
+        </a:prstGeom>
+        <a:solidFill>
+          <a:schemeClr val="lt1">
+            <a:alpha val="90000"/>
+            <a:hueOff val="0"/>
+            <a:satOff val="0"/>
+            <a:lumOff val="0"/>
+            <a:alphaOff val="0"/>
+          </a:schemeClr>
+        </a:solidFill>
+        <a:ln w="6350" cap="flat" cmpd="sng" algn="ctr">
+          <a:solidFill>
+            <a:schemeClr val="accent1">
+              <a:hueOff val="0"/>
+              <a:satOff val="0"/>
+              <a:lumOff val="0"/>
+              <a:alphaOff val="0"/>
+            </a:schemeClr>
+          </a:solidFill>
+          <a:prstDash val="solid"/>
+          <a:miter lim="800000"/>
+        </a:ln>
+        <a:effectLst/>
+      </dsp:spPr>
+      <dsp:style>
+        <a:lnRef idx="1">
+          <a:scrgbClr r="0" g="0" b="0"/>
+        </a:lnRef>
+        <a:fillRef idx="1">
+          <a:scrgbClr r="0" g="0" b="0"/>
+        </a:fillRef>
+        <a:effectRef idx="0">
+          <a:scrgbClr r="0" g="0" b="0"/>
+        </a:effectRef>
+        <a:fontRef idx="minor"/>
+      </dsp:style>
+      <dsp:txBody>
+        <a:bodyPr spcFirstLastPara="0" vert="horz" wrap="square" lIns="627196" tIns="562356" rIns="627196" bIns="192024" numCol="1" spcCol="1270" anchor="t" anchorCtr="0">
+          <a:noAutofit/>
+        </a:bodyPr>
+        <a:lstStyle/>
+        <a:p>
+          <a:pPr marL="228600" lvl="1" indent="-228600" algn="l" defTabSz="1200150">
+            <a:lnSpc>
+              <a:spcPct val="90000"/>
+            </a:lnSpc>
+            <a:spcBef>
+              <a:spcPct val="0"/>
+            </a:spcBef>
+            <a:spcAft>
+              <a:spcPct val="15000"/>
+            </a:spcAft>
+            <a:buChar char="•"/>
+          </a:pPr>
+          <a:r>
+            <a:rPr lang="nl-BE" sz="2700" kern="1200"/>
+            <a:t>Widening en narrowing</a:t>
+          </a:r>
+          <a:endParaRPr lang="en-US" sz="2700" kern="1200"/>
+        </a:p>
+      </dsp:txBody>
+      <dsp:txXfrm>
+        <a:off x="0" y="485377"/>
+        <a:ext cx="8081260" cy="1148175"/>
+      </dsp:txXfrm>
+    </dsp:sp>
+    <dsp:sp modelId="{1652B8A1-FF56-4760-9DEE-93995EE3C4AB}">
+      <dsp:nvSpPr>
+        <dsp:cNvPr id="0" name=""/>
+        <dsp:cNvSpPr/>
+      </dsp:nvSpPr>
+      <dsp:spPr>
+        <a:xfrm>
+          <a:off x="404063" y="86857"/>
+          <a:ext cx="5656882" cy="797040"/>
+        </a:xfrm>
+        <a:prstGeom prst="roundRect">
+          <a:avLst/>
+        </a:prstGeom>
+        <a:gradFill rotWithShape="0">
+          <a:gsLst>
+            <a:gs pos="0">
+              <a:schemeClr val="accent1">
+                <a:hueOff val="0"/>
+                <a:satOff val="0"/>
+                <a:lumOff val="0"/>
+                <a:alphaOff val="0"/>
+                <a:satMod val="103000"/>
+                <a:lumMod val="102000"/>
+                <a:tint val="94000"/>
+              </a:schemeClr>
+            </a:gs>
+            <a:gs pos="50000">
+              <a:schemeClr val="accent1">
+                <a:hueOff val="0"/>
+                <a:satOff val="0"/>
+                <a:lumOff val="0"/>
+                <a:alphaOff val="0"/>
+                <a:satMod val="110000"/>
+                <a:lumMod val="100000"/>
+                <a:shade val="100000"/>
+              </a:schemeClr>
+            </a:gs>
+            <a:gs pos="100000">
+              <a:schemeClr val="accent1">
+                <a:hueOff val="0"/>
+                <a:satOff val="0"/>
+                <a:lumOff val="0"/>
+                <a:alphaOff val="0"/>
+                <a:lumMod val="99000"/>
+                <a:satMod val="120000"/>
+                <a:shade val="78000"/>
+              </a:schemeClr>
+            </a:gs>
+          </a:gsLst>
+          <a:lin ang="5400000" scaled="0"/>
+        </a:gradFill>
+        <a:ln>
+          <a:noFill/>
+        </a:ln>
+        <a:effectLst/>
+      </dsp:spPr>
+      <dsp:style>
+        <a:lnRef idx="0">
+          <a:scrgbClr r="0" g="0" b="0"/>
+        </a:lnRef>
+        <a:fillRef idx="3">
+          <a:scrgbClr r="0" g="0" b="0"/>
+        </a:fillRef>
+        <a:effectRef idx="2">
+          <a:scrgbClr r="0" g="0" b="0"/>
+        </a:effectRef>
+        <a:fontRef idx="minor">
+          <a:schemeClr val="lt1"/>
+        </a:fontRef>
+      </dsp:style>
+      <dsp:txBody>
+        <a:bodyPr spcFirstLastPara="0" vert="horz" wrap="square" lIns="213817" tIns="0" rIns="213817" bIns="0" numCol="1" spcCol="1270" anchor="ctr" anchorCtr="0">
+          <a:noAutofit/>
+        </a:bodyPr>
+        <a:lstStyle/>
+        <a:p>
+          <a:pPr marL="0" lvl="0" indent="0" algn="l" defTabSz="1200150">
+            <a:lnSpc>
+              <a:spcPct val="90000"/>
+            </a:lnSpc>
+            <a:spcBef>
+              <a:spcPct val="0"/>
+            </a:spcBef>
+            <a:spcAft>
+              <a:spcPct val="35000"/>
+            </a:spcAft>
+            <a:buNone/>
+          </a:pPr>
+          <a:r>
+            <a:rPr lang="nl-BE" sz="2700" kern="1200" dirty="0"/>
+            <a:t>(Casting)</a:t>
+          </a:r>
+          <a:endParaRPr lang="en-US" sz="2700" kern="1200" dirty="0"/>
+        </a:p>
+      </dsp:txBody>
+      <dsp:txXfrm>
+        <a:off x="442971" y="125765"/>
+        <a:ext cx="5579066" cy="719224"/>
+      </dsp:txXfrm>
+    </dsp:sp>
+    <dsp:sp modelId="{F3F2E7CC-754A-4A22-9F0B-FFCE3FA8E607}">
+      <dsp:nvSpPr>
+        <dsp:cNvPr id="0" name=""/>
+        <dsp:cNvSpPr/>
+      </dsp:nvSpPr>
+      <dsp:spPr>
+        <a:xfrm>
+          <a:off x="0" y="2177872"/>
+          <a:ext cx="8081260" cy="1148175"/>
+        </a:xfrm>
+        <a:prstGeom prst="rect">
+          <a:avLst/>
+        </a:prstGeom>
+        <a:solidFill>
+          <a:schemeClr val="lt1">
+            <a:alpha val="90000"/>
+            <a:hueOff val="0"/>
+            <a:satOff val="0"/>
+            <a:lumOff val="0"/>
+            <a:alphaOff val="0"/>
+          </a:schemeClr>
+        </a:solidFill>
+        <a:ln w="6350" cap="flat" cmpd="sng" algn="ctr">
+          <a:solidFill>
+            <a:schemeClr val="accent1">
+              <a:hueOff val="0"/>
+              <a:satOff val="0"/>
+              <a:lumOff val="0"/>
+              <a:alphaOff val="0"/>
+            </a:schemeClr>
+          </a:solidFill>
+          <a:prstDash val="solid"/>
+          <a:miter lim="800000"/>
+        </a:ln>
+        <a:effectLst/>
+      </dsp:spPr>
+      <dsp:style>
+        <a:lnRef idx="1">
+          <a:scrgbClr r="0" g="0" b="0"/>
+        </a:lnRef>
+        <a:fillRef idx="1">
+          <a:scrgbClr r="0" g="0" b="0"/>
+        </a:fillRef>
+        <a:effectRef idx="0">
+          <a:scrgbClr r="0" g="0" b="0"/>
+        </a:effectRef>
+        <a:fontRef idx="minor"/>
+      </dsp:style>
+      <dsp:txBody>
+        <a:bodyPr spcFirstLastPara="0" vert="horz" wrap="square" lIns="627196" tIns="562356" rIns="627196" bIns="192024" numCol="1" spcCol="1270" anchor="t" anchorCtr="0">
+          <a:noAutofit/>
+        </a:bodyPr>
+        <a:lstStyle/>
+        <a:p>
+          <a:pPr marL="228600" lvl="1" indent="-228600" algn="l" defTabSz="1200150">
+            <a:lnSpc>
+              <a:spcPct val="90000"/>
+            </a:lnSpc>
+            <a:spcBef>
+              <a:spcPct val="0"/>
+            </a:spcBef>
+            <a:spcAft>
+              <a:spcPct val="15000"/>
+            </a:spcAft>
+            <a:buChar char="•"/>
+          </a:pPr>
+          <a:r>
+            <a:rPr lang="en-US" sz="2700" kern="1200" dirty="0"/>
+            <a:t>Convert-</a:t>
+          </a:r>
+          <a:r>
+            <a:rPr lang="en-US" sz="2700" kern="1200" dirty="0" err="1"/>
+            <a:t>bibliotheek</a:t>
+          </a:r>
+          <a:endParaRPr lang="en-US" sz="2700" kern="1200" dirty="0"/>
+        </a:p>
+      </dsp:txBody>
+      <dsp:txXfrm>
+        <a:off x="0" y="2177872"/>
+        <a:ext cx="8081260" cy="1148175"/>
+      </dsp:txXfrm>
+    </dsp:sp>
+    <dsp:sp modelId="{EB24C66C-F954-48A4-B801-8A7FE45CA0EA}">
+      <dsp:nvSpPr>
+        <dsp:cNvPr id="0" name=""/>
+        <dsp:cNvSpPr/>
+      </dsp:nvSpPr>
+      <dsp:spPr>
+        <a:xfrm>
+          <a:off x="404063" y="1779352"/>
+          <a:ext cx="5656882" cy="797040"/>
+        </a:xfrm>
+        <a:prstGeom prst="roundRect">
+          <a:avLst/>
+        </a:prstGeom>
+        <a:gradFill rotWithShape="0">
+          <a:gsLst>
+            <a:gs pos="0">
+              <a:schemeClr val="accent1">
+                <a:hueOff val="0"/>
+                <a:satOff val="0"/>
+                <a:lumOff val="0"/>
+                <a:alphaOff val="0"/>
+                <a:satMod val="103000"/>
+                <a:lumMod val="102000"/>
+                <a:tint val="94000"/>
+              </a:schemeClr>
+            </a:gs>
+            <a:gs pos="50000">
+              <a:schemeClr val="accent1">
+                <a:hueOff val="0"/>
+                <a:satOff val="0"/>
+                <a:lumOff val="0"/>
+                <a:alphaOff val="0"/>
+                <a:satMod val="110000"/>
+                <a:lumMod val="100000"/>
+                <a:shade val="100000"/>
+              </a:schemeClr>
+            </a:gs>
+            <a:gs pos="100000">
+              <a:schemeClr val="accent1">
+                <a:hueOff val="0"/>
+                <a:satOff val="0"/>
+                <a:lumOff val="0"/>
+                <a:alphaOff val="0"/>
+                <a:lumMod val="99000"/>
+                <a:satMod val="120000"/>
+                <a:shade val="78000"/>
+              </a:schemeClr>
+            </a:gs>
+          </a:gsLst>
+          <a:lin ang="5400000" scaled="0"/>
+        </a:gradFill>
+        <a:ln>
+          <a:noFill/>
+        </a:ln>
+        <a:effectLst/>
+      </dsp:spPr>
+      <dsp:style>
+        <a:lnRef idx="0">
+          <a:scrgbClr r="0" g="0" b="0"/>
+        </a:lnRef>
+        <a:fillRef idx="3">
+          <a:scrgbClr r="0" g="0" b="0"/>
+        </a:fillRef>
+        <a:effectRef idx="2">
+          <a:scrgbClr r="0" g="0" b="0"/>
+        </a:effectRef>
+        <a:fontRef idx="minor">
+          <a:schemeClr val="lt1"/>
+        </a:fontRef>
+      </dsp:style>
+      <dsp:txBody>
+        <a:bodyPr spcFirstLastPara="0" vert="horz" wrap="square" lIns="213817" tIns="0" rIns="213817" bIns="0" numCol="1" spcCol="1270" anchor="ctr" anchorCtr="0">
+          <a:noAutofit/>
+        </a:bodyPr>
+        <a:lstStyle/>
+        <a:p>
+          <a:pPr marL="0" lvl="0" indent="0" algn="l" defTabSz="1200150">
+            <a:lnSpc>
+              <a:spcPct val="90000"/>
+            </a:lnSpc>
+            <a:spcBef>
+              <a:spcPct val="0"/>
+            </a:spcBef>
+            <a:spcAft>
+              <a:spcPct val="35000"/>
+            </a:spcAft>
+            <a:buNone/>
+          </a:pPr>
+          <a:r>
+            <a:rPr lang="en-US" sz="2700" kern="1200" dirty="0" err="1"/>
+            <a:t>Converteren</a:t>
+          </a:r>
+          <a:endParaRPr lang="en-US" sz="2700" kern="1200" dirty="0"/>
+        </a:p>
+      </dsp:txBody>
+      <dsp:txXfrm>
+        <a:off x="442971" y="1818260"/>
+        <a:ext cx="5579066" cy="719224"/>
+      </dsp:txXfrm>
+    </dsp:sp>
+    <dsp:sp modelId="{8A69894F-8817-4259-BFFE-6B1524309C7F}">
+      <dsp:nvSpPr>
+        <dsp:cNvPr id="0" name=""/>
+        <dsp:cNvSpPr/>
+      </dsp:nvSpPr>
+      <dsp:spPr>
+        <a:xfrm>
+          <a:off x="0" y="3870367"/>
+          <a:ext cx="8081260" cy="1148175"/>
+        </a:xfrm>
+        <a:prstGeom prst="rect">
+          <a:avLst/>
+        </a:prstGeom>
+        <a:solidFill>
+          <a:schemeClr val="lt1">
+            <a:alpha val="90000"/>
+            <a:hueOff val="0"/>
+            <a:satOff val="0"/>
+            <a:lumOff val="0"/>
+            <a:alphaOff val="0"/>
+          </a:schemeClr>
+        </a:solidFill>
+        <a:ln w="6350" cap="flat" cmpd="sng" algn="ctr">
+          <a:solidFill>
+            <a:schemeClr val="accent1">
+              <a:hueOff val="0"/>
+              <a:satOff val="0"/>
+              <a:lumOff val="0"/>
+              <a:alphaOff val="0"/>
+            </a:schemeClr>
+          </a:solidFill>
+          <a:prstDash val="solid"/>
+          <a:miter lim="800000"/>
+        </a:ln>
+        <a:effectLst/>
+      </dsp:spPr>
+      <dsp:style>
+        <a:lnRef idx="1">
+          <a:scrgbClr r="0" g="0" b="0"/>
+        </a:lnRef>
+        <a:fillRef idx="1">
+          <a:scrgbClr r="0" g="0" b="0"/>
+        </a:fillRef>
+        <a:effectRef idx="0">
+          <a:scrgbClr r="0" g="0" b="0"/>
+        </a:effectRef>
+        <a:fontRef idx="minor"/>
+      </dsp:style>
+      <dsp:txBody>
+        <a:bodyPr spcFirstLastPara="0" vert="horz" wrap="square" lIns="627196" tIns="562356" rIns="627196" bIns="192024" numCol="1" spcCol="1270" anchor="t" anchorCtr="0">
+          <a:noAutofit/>
+        </a:bodyPr>
+        <a:lstStyle/>
+        <a:p>
+          <a:pPr marL="228600" lvl="1" indent="-228600" algn="l" defTabSz="1200150">
+            <a:lnSpc>
+              <a:spcPct val="90000"/>
+            </a:lnSpc>
+            <a:spcBef>
+              <a:spcPct val="0"/>
+            </a:spcBef>
+            <a:spcAft>
+              <a:spcPct val="15000"/>
+            </a:spcAft>
+            <a:buChar char="•"/>
+          </a:pPr>
+          <a:r>
+            <a:rPr lang="en-US" sz="2700" kern="1200" dirty="0" err="1"/>
+            <a:t>Enkel</a:t>
+          </a:r>
+          <a:r>
+            <a:rPr lang="en-US" sz="2700" kern="1200" dirty="0"/>
+            <a:t> Strings </a:t>
+          </a:r>
+          <a:r>
+            <a:rPr lang="en-US" sz="2700" kern="1200" dirty="0" err="1"/>
+            <a:t>omzetten</a:t>
+          </a:r>
+          <a:r>
+            <a:rPr lang="en-US" sz="2700" kern="1200" dirty="0"/>
+            <a:t> (intern </a:t>
+          </a:r>
+          <a:r>
+            <a:rPr lang="en-US" sz="2700" kern="1200" dirty="0" err="1"/>
+            <a:t>meestal</a:t>
+          </a:r>
+          <a:r>
+            <a:rPr lang="en-US" sz="2700" kern="1200" dirty="0"/>
+            <a:t> Convert)</a:t>
+          </a:r>
+        </a:p>
+      </dsp:txBody>
+      <dsp:txXfrm>
+        <a:off x="0" y="3870367"/>
+        <a:ext cx="8081260" cy="1148175"/>
+      </dsp:txXfrm>
+    </dsp:sp>
+    <dsp:sp modelId="{594FB041-BF2E-4D29-AE45-D002D7C56D45}">
+      <dsp:nvSpPr>
+        <dsp:cNvPr id="0" name=""/>
+        <dsp:cNvSpPr/>
+      </dsp:nvSpPr>
+      <dsp:spPr>
+        <a:xfrm>
+          <a:off x="404063" y="3471847"/>
+          <a:ext cx="5656882" cy="797040"/>
+        </a:xfrm>
+        <a:prstGeom prst="roundRect">
+          <a:avLst/>
+        </a:prstGeom>
+        <a:gradFill rotWithShape="0">
+          <a:gsLst>
+            <a:gs pos="0">
+              <a:schemeClr val="accent1">
+                <a:hueOff val="0"/>
+                <a:satOff val="0"/>
+                <a:lumOff val="0"/>
+                <a:alphaOff val="0"/>
+                <a:satMod val="103000"/>
+                <a:lumMod val="102000"/>
+                <a:tint val="94000"/>
+              </a:schemeClr>
+            </a:gs>
+            <a:gs pos="50000">
+              <a:schemeClr val="accent1">
+                <a:hueOff val="0"/>
+                <a:satOff val="0"/>
+                <a:lumOff val="0"/>
+                <a:alphaOff val="0"/>
+                <a:satMod val="110000"/>
+                <a:lumMod val="100000"/>
+                <a:shade val="100000"/>
+              </a:schemeClr>
+            </a:gs>
+            <a:gs pos="100000">
+              <a:schemeClr val="accent1">
+                <a:hueOff val="0"/>
+                <a:satOff val="0"/>
+                <a:lumOff val="0"/>
+                <a:alphaOff val="0"/>
+                <a:lumMod val="99000"/>
+                <a:satMod val="120000"/>
+                <a:shade val="78000"/>
+              </a:schemeClr>
+            </a:gs>
+          </a:gsLst>
+          <a:lin ang="5400000" scaled="0"/>
+        </a:gradFill>
+        <a:ln>
+          <a:noFill/>
+        </a:ln>
+        <a:effectLst/>
+      </dsp:spPr>
+      <dsp:style>
+        <a:lnRef idx="0">
+          <a:scrgbClr r="0" g="0" b="0"/>
+        </a:lnRef>
+        <a:fillRef idx="3">
+          <a:scrgbClr r="0" g="0" b="0"/>
+        </a:fillRef>
+        <a:effectRef idx="2">
+          <a:scrgbClr r="0" g="0" b="0"/>
+        </a:effectRef>
+        <a:fontRef idx="minor">
+          <a:schemeClr val="lt1"/>
+        </a:fontRef>
+      </dsp:style>
+      <dsp:txBody>
+        <a:bodyPr spcFirstLastPara="0" vert="horz" wrap="square" lIns="213817" tIns="0" rIns="213817" bIns="0" numCol="1" spcCol="1270" anchor="ctr" anchorCtr="0">
+          <a:noAutofit/>
+        </a:bodyPr>
+        <a:lstStyle/>
+        <a:p>
+          <a:pPr marL="0" lvl="0" indent="0" algn="l" defTabSz="1200150">
+            <a:lnSpc>
+              <a:spcPct val="90000"/>
+            </a:lnSpc>
+            <a:spcBef>
+              <a:spcPct val="0"/>
+            </a:spcBef>
+            <a:spcAft>
+              <a:spcPct val="35000"/>
+            </a:spcAft>
+            <a:buNone/>
+          </a:pPr>
+          <a:r>
+            <a:rPr lang="en-US" sz="2700" kern="1200" dirty="0"/>
+            <a:t>Parsing</a:t>
+          </a:r>
+        </a:p>
+      </dsp:txBody>
+      <dsp:txXfrm>
+        <a:off x="442971" y="3510755"/>
+        <a:ext cx="5579066" cy="719224"/>
+      </dsp:txXfrm>
+    </dsp:sp>
+  </dsp:spTree>
+</dsp:drawing>
+</file>
+
+<file path=ppt/diagrams/drawing7.xml><?xml version="1.0" encoding="utf-8"?>
+<dsp:drawing xmlns:dgm="http://schemas.openxmlformats.org/drawingml/2006/diagram" xmlns:dsp="http://schemas.microsoft.com/office/drawing/2008/diagram" xmlns:a="http://schemas.openxmlformats.org/drawingml/2006/main">
+  <dsp:spTree>
+    <dsp:nvGrpSpPr>
+      <dsp:cNvPr id="0" name=""/>
+      <dsp:cNvGrpSpPr/>
+    </dsp:nvGrpSpPr>
+    <dsp:grpSpPr/>
     <dsp:sp modelId="{929DF62E-0AA6-4CA8-B093-50C1A80B22B2}">
       <dsp:nvSpPr>
         <dsp:cNvPr id="0" name=""/>
@@ -10646,6 +12371,231 @@
 </file>
 
 <file path=ppt/diagrams/layout6.xml><?xml version="1.0" encoding="utf-8"?>
+<dgm:layoutDef xmlns:dgm="http://schemas.openxmlformats.org/drawingml/2006/diagram" xmlns:a="http://schemas.openxmlformats.org/drawingml/2006/main" uniqueId="urn:microsoft.com/office/officeart/2005/8/layout/list1">
+  <dgm:title val=""/>
+  <dgm:desc val=""/>
+  <dgm:catLst>
+    <dgm:cat type="list" pri="4000"/>
+  </dgm:catLst>
+  <dgm:sampData>
+    <dgm:dataModel>
+      <dgm:ptLst>
+        <dgm:pt modelId="0" type="doc"/>
+        <dgm:pt modelId="1">
+          <dgm:prSet phldr="1"/>
+        </dgm:pt>
+        <dgm:pt modelId="2">
+          <dgm:prSet phldr="1"/>
+        </dgm:pt>
+        <dgm:pt modelId="3">
+          <dgm:prSet phldr="1"/>
+        </dgm:pt>
+      </dgm:ptLst>
+      <dgm:cxnLst>
+        <dgm:cxn modelId="4" srcId="0" destId="1" srcOrd="0" destOrd="0"/>
+        <dgm:cxn modelId="5" srcId="0" destId="2" srcOrd="1" destOrd="0"/>
+        <dgm:cxn modelId="6" srcId="0" destId="3" srcOrd="2" destOrd="0"/>
+      </dgm:cxnLst>
+      <dgm:bg/>
+      <dgm:whole/>
+    </dgm:dataModel>
+  </dgm:sampData>
+  <dgm:styleData>
+    <dgm:dataModel>
+      <dgm:ptLst>
+        <dgm:pt modelId="0" type="doc"/>
+        <dgm:pt modelId="1"/>
+        <dgm:pt modelId="2"/>
+      </dgm:ptLst>
+      <dgm:cxnLst>
+        <dgm:cxn modelId="4" srcId="0" destId="1" srcOrd="0" destOrd="0"/>
+        <dgm:cxn modelId="5" srcId="0" destId="2" srcOrd="1" destOrd="0"/>
+      </dgm:cxnLst>
+      <dgm:bg/>
+      <dgm:whole/>
+    </dgm:dataModel>
+  </dgm:styleData>
+  <dgm:clrData>
+    <dgm:dataModel>
+      <dgm:ptLst>
+        <dgm:pt modelId="0" type="doc"/>
+        <dgm:pt modelId="1"/>
+        <dgm:pt modelId="2"/>
+        <dgm:pt modelId="3"/>
+        <dgm:pt modelId="4"/>
+      </dgm:ptLst>
+      <dgm:cxnLst>
+        <dgm:cxn modelId="5" srcId="0" destId="1" srcOrd="0" destOrd="0"/>
+        <dgm:cxn modelId="6" srcId="0" destId="2" srcOrd="1" destOrd="0"/>
+        <dgm:cxn modelId="7" srcId="0" destId="3" srcOrd="2" destOrd="0"/>
+        <dgm:cxn modelId="8" srcId="0" destId="4" srcOrd="3" destOrd="0"/>
+      </dgm:cxnLst>
+      <dgm:bg/>
+      <dgm:whole/>
+    </dgm:dataModel>
+  </dgm:clrData>
+  <dgm:layoutNode name="linear">
+    <dgm:varLst>
+      <dgm:dir/>
+      <dgm:animLvl val="lvl"/>
+      <dgm:resizeHandles val="exact"/>
+    </dgm:varLst>
+    <dgm:choose name="Name0">
+      <dgm:if name="Name1" func="var" arg="dir" op="equ" val="norm">
+        <dgm:alg type="lin">
+          <dgm:param type="linDir" val="fromT"/>
+          <dgm:param type="vertAlign" val="mid"/>
+          <dgm:param type="horzAlign" val="l"/>
+          <dgm:param type="nodeHorzAlign" val="l"/>
+        </dgm:alg>
+      </dgm:if>
+      <dgm:else name="Name2">
+        <dgm:alg type="lin">
+          <dgm:param type="linDir" val="fromT"/>
+          <dgm:param type="vertAlign" val="mid"/>
+          <dgm:param type="horzAlign" val="r"/>
+          <dgm:param type="nodeHorzAlign" val="r"/>
+        </dgm:alg>
+      </dgm:else>
+    </dgm:choose>
+    <dgm:shape xmlns:r="http://schemas.openxmlformats.org/officeDocument/2006/relationships" r:blip="">
+      <dgm:adjLst/>
+    </dgm:shape>
+    <dgm:presOf/>
+    <dgm:constrLst>
+      <dgm:constr type="w" for="ch" forName="parentLin" refType="w"/>
+      <dgm:constr type="h" for="ch" forName="parentLin" val="INF"/>
+      <dgm:constr type="w" for="des" forName="parentLeftMargin" refType="w" fact="0.05"/>
+      <dgm:constr type="w" for="des" forName="parentText" refType="w" fact="0.7"/>
+      <dgm:constr type="h" for="des" forName="parentText" refType="primFontSz" refFor="des" refForName="parentText" fact="0.82"/>
+      <dgm:constr type="h" for="ch" forName="negativeSpace" refType="primFontSz" refFor="des" refForName="parentText" fact="-0.41"/>
+      <dgm:constr type="h" for="ch" forName="negativeSpace" refType="h" refFor="des" refForName="parentText" op="lte" fact="-0.82"/>
+      <dgm:constr type="h" for="ch" forName="negativeSpace" refType="h" refFor="des" refForName="parentText" op="gte" fact="-0.82"/>
+      <dgm:constr type="w" for="ch" forName="childText" refType="w"/>
+      <dgm:constr type="h" for="ch" forName="childText" refType="primFontSz" refFor="des" refForName="parentText" fact="0.7"/>
+      <dgm:constr type="primFontSz" for="des" forName="parentText" val="65"/>
+      <dgm:constr type="primFontSz" for="ch" forName="childText" refType="primFontSz" refFor="des" refForName="parentText"/>
+      <dgm:constr type="tMarg" for="ch" forName="childText" refType="primFontSz" refFor="des" refForName="parentText" fact="1.64"/>
+      <dgm:constr type="tMarg" for="ch" forName="childText" refType="h" refFor="des" refForName="parentText" op="lte" fact="3.28"/>
+      <dgm:constr type="tMarg" for="ch" forName="childText" refType="h" refFor="des" refForName="parentText" op="gte" fact="3.28"/>
+      <dgm:constr type="lMarg" for="ch" forName="childText" refType="w" fact="0.22"/>
+      <dgm:constr type="rMarg" for="ch" forName="childText" refType="lMarg" refFor="ch" refForName="childText"/>
+      <dgm:constr type="lMarg" for="des" forName="parentText" refType="w" fact="0.075"/>
+      <dgm:constr type="rMarg" for="des" forName="parentText" refType="lMarg" refFor="des" refForName="parentText"/>
+      <dgm:constr type="h" for="ch" forName="spaceBetweenRectangles" refType="primFontSz" refFor="des" refForName="parentText" fact="0.15"/>
+    </dgm:constrLst>
+    <dgm:ruleLst>
+      <dgm:rule type="primFontSz" for="des" forName="parentText" val="5" fact="NaN" max="NaN"/>
+    </dgm:ruleLst>
+    <dgm:forEach name="Name3" axis="ch" ptType="node">
+      <dgm:layoutNode name="parentLin">
+        <dgm:choose name="Name4">
+          <dgm:if name="Name5" func="var" arg="dir" op="equ" val="norm">
+            <dgm:alg type="lin">
+              <dgm:param type="linDir" val="fromL"/>
+              <dgm:param type="horzAlign" val="l"/>
+              <dgm:param type="nodeHorzAlign" val="l"/>
+            </dgm:alg>
+          </dgm:if>
+          <dgm:else name="Name6">
+            <dgm:alg type="lin">
+              <dgm:param type="linDir" val="fromR"/>
+              <dgm:param type="horzAlign" val="r"/>
+              <dgm:param type="nodeHorzAlign" val="r"/>
+            </dgm:alg>
+          </dgm:else>
+        </dgm:choose>
+        <dgm:shape xmlns:r="http://schemas.openxmlformats.org/officeDocument/2006/relationships" r:blip="">
+          <dgm:adjLst/>
+        </dgm:shape>
+        <dgm:presOf/>
+        <dgm:constrLst/>
+        <dgm:ruleLst/>
+        <dgm:layoutNode name="parentLeftMargin">
+          <dgm:alg type="sp"/>
+          <dgm:shape xmlns:r="http://schemas.openxmlformats.org/officeDocument/2006/relationships" type="rect" r:blip="" hideGeom="1">
+            <dgm:adjLst/>
+          </dgm:shape>
+          <dgm:presOf axis="self"/>
+          <dgm:constrLst>
+            <dgm:constr type="h"/>
+          </dgm:constrLst>
+          <dgm:ruleLst/>
+        </dgm:layoutNode>
+        <dgm:layoutNode name="parentText" styleLbl="node1">
+          <dgm:varLst>
+            <dgm:chMax val="0"/>
+            <dgm:bulletEnabled val="1"/>
+          </dgm:varLst>
+          <dgm:choose name="Name7">
+            <dgm:if name="Name8" func="var" arg="dir" op="equ" val="norm">
+              <dgm:alg type="tx">
+                <dgm:param type="parTxLTRAlign" val="l"/>
+                <dgm:param type="parTxRTLAlign" val="l"/>
+              </dgm:alg>
+            </dgm:if>
+            <dgm:else name="Name9">
+              <dgm:alg type="tx">
+                <dgm:param type="parTxLTRAlign" val="r"/>
+                <dgm:param type="parTxRTLAlign" val="r"/>
+              </dgm:alg>
+            </dgm:else>
+          </dgm:choose>
+          <dgm:shape xmlns:r="http://schemas.openxmlformats.org/officeDocument/2006/relationships" type="roundRect" r:blip="">
+            <dgm:adjLst/>
+          </dgm:shape>
+          <dgm:presOf axis="self" ptType="node"/>
+          <dgm:constrLst>
+            <dgm:constr type="tMarg"/>
+            <dgm:constr type="bMarg"/>
+          </dgm:constrLst>
+          <dgm:ruleLst/>
+        </dgm:layoutNode>
+      </dgm:layoutNode>
+      <dgm:layoutNode name="negativeSpace">
+        <dgm:alg type="sp"/>
+        <dgm:shape xmlns:r="http://schemas.openxmlformats.org/officeDocument/2006/relationships" r:blip="">
+          <dgm:adjLst/>
+        </dgm:shape>
+        <dgm:presOf/>
+        <dgm:constrLst/>
+        <dgm:ruleLst/>
+      </dgm:layoutNode>
+      <dgm:layoutNode name="childText" styleLbl="conFgAcc1">
+        <dgm:varLst>
+          <dgm:bulletEnabled val="1"/>
+        </dgm:varLst>
+        <dgm:alg type="tx">
+          <dgm:param type="stBulletLvl" val="1"/>
+        </dgm:alg>
+        <dgm:shape xmlns:r="http://schemas.openxmlformats.org/officeDocument/2006/relationships" type="rect" r:blip="" zOrderOff="-2">
+          <dgm:adjLst/>
+        </dgm:shape>
+        <dgm:presOf axis="des" ptType="node"/>
+        <dgm:constrLst>
+          <dgm:constr type="secFontSz" refType="primFontSz"/>
+        </dgm:constrLst>
+        <dgm:ruleLst>
+          <dgm:rule type="h" val="INF" fact="NaN" max="NaN"/>
+        </dgm:ruleLst>
+      </dgm:layoutNode>
+      <dgm:forEach name="Name10" axis="followSib" ptType="sibTrans" cnt="1">
+        <dgm:layoutNode name="spaceBetweenRectangles">
+          <dgm:alg type="sp"/>
+          <dgm:shape xmlns:r="http://schemas.openxmlformats.org/officeDocument/2006/relationships" r:blip="">
+            <dgm:adjLst/>
+          </dgm:shape>
+          <dgm:presOf/>
+          <dgm:constrLst/>
+          <dgm:ruleLst/>
+        </dgm:layoutNode>
+      </dgm:forEach>
+    </dgm:forEach>
+  </dgm:layoutNode>
+</dgm:layoutDef>
+</file>
+
+<file path=ppt/diagrams/layout7.xml><?xml version="1.0" encoding="utf-8"?>
 <dgm:layoutDef xmlns:dgm="http://schemas.openxmlformats.org/drawingml/2006/diagram" xmlns:a="http://schemas.openxmlformats.org/drawingml/2006/main" uniqueId="urn:microsoft.com/office/officeart/2018/2/layout/IconVerticalSolidList">
   <dgm:title val="Icon Vertical Solid List"/>
   <dgm:desc val="Use to show a series of visuals from top to bottom with Level 1 or Level 1 and Level 2 text grouped in a shape. Works best with icons or small pictures with lengthier descriptions."/>
@@ -16110,6 +18060,1040 @@
 </file>
 
 <file path=ppt/diagrams/quickStyle6.xml><?xml version="1.0" encoding="utf-8"?>
+<dgm:styleDef xmlns:dgm="http://schemas.openxmlformats.org/drawingml/2006/diagram" xmlns:a="http://schemas.openxmlformats.org/drawingml/2006/main" uniqueId="urn:microsoft.com/office/officeart/2005/8/quickstyle/simple4">
+  <dgm:title val=""/>
+  <dgm:desc val=""/>
+  <dgm:catLst>
+    <dgm:cat type="simple" pri="10400"/>
+  </dgm:catLst>
+  <dgm:scene3d>
+    <a:camera prst="orthographicFront"/>
+    <a:lightRig rig="threePt" dir="t"/>
+  </dgm:scene3d>
+  <dgm:styleLbl name="node0">
+    <dgm:scene3d>
+      <a:camera prst="orthographicFront"/>
+      <a:lightRig rig="threePt" dir="t"/>
+    </dgm:scene3d>
+    <dgm:sp3d/>
+    <dgm:txPr/>
+    <dgm:style>
+      <a:lnRef idx="0">
+        <a:scrgbClr r="0" g="0" b="0"/>
+      </a:lnRef>
+      <a:fillRef idx="3">
+        <a:scrgbClr r="0" g="0" b="0"/>
+      </a:fillRef>
+      <a:effectRef idx="2">
+        <a:scrgbClr r="0" g="0" b="0"/>
+      </a:effectRef>
+      <a:fontRef idx="minor">
+        <a:schemeClr val="lt1"/>
+      </a:fontRef>
+    </dgm:style>
+  </dgm:styleLbl>
+  <dgm:styleLbl name="lnNode1">
+    <dgm:scene3d>
+      <a:camera prst="orthographicFront"/>
+      <a:lightRig rig="threePt" dir="t"/>
+    </dgm:scene3d>
+    <dgm:sp3d/>
+    <dgm:txPr/>
+    <dgm:style>
+      <a:lnRef idx="1">
+        <a:scrgbClr r="0" g="0" b="0"/>
+      </a:lnRef>
+      <a:fillRef idx="3">
+        <a:scrgbClr r="0" g="0" b="0"/>
+      </a:fillRef>
+      <a:effectRef idx="2">
+        <a:scrgbClr r="0" g="0" b="0"/>
+      </a:effectRef>
+      <a:fontRef idx="minor">
+        <a:schemeClr val="lt1"/>
+      </a:fontRef>
+    </dgm:style>
+  </dgm:styleLbl>
+  <dgm:styleLbl name="vennNode1">
+    <dgm:scene3d>
+      <a:camera prst="orthographicFront"/>
+      <a:lightRig rig="threePt" dir="t"/>
+    </dgm:scene3d>
+    <dgm:sp3d/>
+    <dgm:txPr/>
+    <dgm:style>
+      <a:lnRef idx="0">
+        <a:scrgbClr r="0" g="0" b="0"/>
+      </a:lnRef>
+      <a:fillRef idx="3">
+        <a:scrgbClr r="0" g="0" b="0"/>
+      </a:fillRef>
+      <a:effectRef idx="0">
+        <a:scrgbClr r="0" g="0" b="0"/>
+      </a:effectRef>
+      <a:fontRef idx="minor">
+        <a:schemeClr val="tx1"/>
+      </a:fontRef>
+    </dgm:style>
+  </dgm:styleLbl>
+  <dgm:styleLbl name="alignNode1">
+    <dgm:scene3d>
+      <a:camera prst="orthographicFront"/>
+      <a:lightRig rig="threePt" dir="t"/>
+    </dgm:scene3d>
+    <dgm:sp3d/>
+    <dgm:txPr/>
+    <dgm:style>
+      <a:lnRef idx="1">
+        <a:scrgbClr r="0" g="0" b="0"/>
+      </a:lnRef>
+      <a:fillRef idx="3">
+        <a:scrgbClr r="0" g="0" b="0"/>
+      </a:fillRef>
+      <a:effectRef idx="2">
+        <a:scrgbClr r="0" g="0" b="0"/>
+      </a:effectRef>
+      <a:fontRef idx="minor">
+        <a:schemeClr val="lt1"/>
+      </a:fontRef>
+    </dgm:style>
+  </dgm:styleLbl>
+  <dgm:styleLbl name="node1">
+    <dgm:scene3d>
+      <a:camera prst="orthographicFront"/>
+      <a:lightRig rig="threePt" dir="t"/>
+    </dgm:scene3d>
+    <dgm:sp3d/>
+    <dgm:txPr/>
+    <dgm:style>
+      <a:lnRef idx="0">
+        <a:scrgbClr r="0" g="0" b="0"/>
+      </a:lnRef>
+      <a:fillRef idx="3">
+        <a:scrgbClr r="0" g="0" b="0"/>
+      </a:fillRef>
+      <a:effectRef idx="2">
+        <a:scrgbClr r="0" g="0" b="0"/>
+      </a:effectRef>
+      <a:fontRef idx="minor">
+        <a:schemeClr val="lt1"/>
+      </a:fontRef>
+    </dgm:style>
+  </dgm:styleLbl>
+  <dgm:styleLbl name="node2">
+    <dgm:scene3d>
+      <a:camera prst="orthographicFront"/>
+      <a:lightRig rig="threePt" dir="t"/>
+    </dgm:scene3d>
+    <dgm:sp3d/>
+    <dgm:txPr/>
+    <dgm:style>
+      <a:lnRef idx="0">
+        <a:scrgbClr r="0" g="0" b="0"/>
+      </a:lnRef>
+      <a:fillRef idx="3">
+        <a:scrgbClr r="0" g="0" b="0"/>
+      </a:fillRef>
+      <a:effectRef idx="2">
+        <a:scrgbClr r="0" g="0" b="0"/>
+      </a:effectRef>
+      <a:fontRef idx="minor">
+        <a:schemeClr val="lt1"/>
+      </a:fontRef>
+    </dgm:style>
+  </dgm:styleLbl>
+  <dgm:styleLbl name="node3">
+    <dgm:scene3d>
+      <a:camera prst="orthographicFront"/>
+      <a:lightRig rig="threePt" dir="t"/>
+    </dgm:scene3d>
+    <dgm:sp3d/>
+    <dgm:txPr/>
+    <dgm:style>
+      <a:lnRef idx="0">
+        <a:scrgbClr r="0" g="0" b="0"/>
+      </a:lnRef>
+      <a:fillRef idx="3">
+        <a:scrgbClr r="0" g="0" b="0"/>
+      </a:fillRef>
+      <a:effectRef idx="2">
+        <a:scrgbClr r="0" g="0" b="0"/>
+      </a:effectRef>
+      <a:fontRef idx="minor">
+        <a:schemeClr val="lt1"/>
+      </a:fontRef>
+    </dgm:style>
+  </dgm:styleLbl>
+  <dgm:styleLbl name="node4">
+    <dgm:scene3d>
+      <a:camera prst="orthographicFront"/>
+      <a:lightRig rig="threePt" dir="t"/>
+    </dgm:scene3d>
+    <dgm:sp3d/>
+    <dgm:txPr/>
+    <dgm:style>
+      <a:lnRef idx="0">
+        <a:scrgbClr r="0" g="0" b="0"/>
+      </a:lnRef>
+      <a:fillRef idx="3">
+        <a:scrgbClr r="0" g="0" b="0"/>
+      </a:fillRef>
+      <a:effectRef idx="2">
+        <a:scrgbClr r="0" g="0" b="0"/>
+      </a:effectRef>
+      <a:fontRef idx="minor">
+        <a:schemeClr val="lt1"/>
+      </a:fontRef>
+    </dgm:style>
+  </dgm:styleLbl>
+  <dgm:styleLbl name="fgImgPlace1">
+    <dgm:scene3d>
+      <a:camera prst="orthographicFront"/>
+      <a:lightRig rig="threePt" dir="t"/>
+    </dgm:scene3d>
+    <dgm:sp3d/>
+    <dgm:txPr/>
+    <dgm:style>
+      <a:lnRef idx="0">
+        <a:scrgbClr r="0" g="0" b="0"/>
+      </a:lnRef>
+      <a:fillRef idx="1">
+        <a:scrgbClr r="0" g="0" b="0"/>
+      </a:fillRef>
+      <a:effectRef idx="2">
+        <a:scrgbClr r="0" g="0" b="0"/>
+      </a:effectRef>
+      <a:fontRef idx="minor"/>
+    </dgm:style>
+  </dgm:styleLbl>
+  <dgm:styleLbl name="alignImgPlace1">
+    <dgm:scene3d>
+      <a:camera prst="orthographicFront"/>
+      <a:lightRig rig="threePt" dir="t"/>
+    </dgm:scene3d>
+    <dgm:sp3d/>
+    <dgm:txPr/>
+    <dgm:style>
+      <a:lnRef idx="0">
+        <a:scrgbClr r="0" g="0" b="0"/>
+      </a:lnRef>
+      <a:fillRef idx="1">
+        <a:scrgbClr r="0" g="0" b="0"/>
+      </a:fillRef>
+      <a:effectRef idx="2">
+        <a:scrgbClr r="0" g="0" b="0"/>
+      </a:effectRef>
+      <a:fontRef idx="minor"/>
+    </dgm:style>
+  </dgm:styleLbl>
+  <dgm:styleLbl name="bgImgPlace1">
+    <dgm:scene3d>
+      <a:camera prst="orthographicFront"/>
+      <a:lightRig rig="threePt" dir="t"/>
+    </dgm:scene3d>
+    <dgm:sp3d/>
+    <dgm:txPr/>
+    <dgm:style>
+      <a:lnRef idx="0">
+        <a:scrgbClr r="0" g="0" b="0"/>
+      </a:lnRef>
+      <a:fillRef idx="1">
+        <a:scrgbClr r="0" g="0" b="0"/>
+      </a:fillRef>
+      <a:effectRef idx="2">
+        <a:scrgbClr r="0" g="0" b="0"/>
+      </a:effectRef>
+      <a:fontRef idx="minor"/>
+    </dgm:style>
+  </dgm:styleLbl>
+  <dgm:styleLbl name="sibTrans2D1">
+    <dgm:scene3d>
+      <a:camera prst="orthographicFront"/>
+      <a:lightRig rig="threePt" dir="t"/>
+    </dgm:scene3d>
+    <dgm:sp3d/>
+    <dgm:txPr/>
+    <dgm:style>
+      <a:lnRef idx="0">
+        <a:scrgbClr r="0" g="0" b="0"/>
+      </a:lnRef>
+      <a:fillRef idx="3">
+        <a:scrgbClr r="0" g="0" b="0"/>
+      </a:fillRef>
+      <a:effectRef idx="2">
+        <a:scrgbClr r="0" g="0" b="0"/>
+      </a:effectRef>
+      <a:fontRef idx="minor">
+        <a:schemeClr val="lt1"/>
+      </a:fontRef>
+    </dgm:style>
+  </dgm:styleLbl>
+  <dgm:styleLbl name="fgSibTrans2D1">
+    <dgm:scene3d>
+      <a:camera prst="orthographicFront"/>
+      <a:lightRig rig="threePt" dir="t"/>
+    </dgm:scene3d>
+    <dgm:sp3d/>
+    <dgm:txPr/>
+    <dgm:style>
+      <a:lnRef idx="0">
+        <a:scrgbClr r="0" g="0" b="0"/>
+      </a:lnRef>
+      <a:fillRef idx="3">
+        <a:scrgbClr r="0" g="0" b="0"/>
+      </a:fillRef>
+      <a:effectRef idx="2">
+        <a:scrgbClr r="0" g="0" b="0"/>
+      </a:effectRef>
+      <a:fontRef idx="minor">
+        <a:schemeClr val="lt1"/>
+      </a:fontRef>
+    </dgm:style>
+  </dgm:styleLbl>
+  <dgm:styleLbl name="bgSibTrans2D1">
+    <dgm:scene3d>
+      <a:camera prst="orthographicFront"/>
+      <a:lightRig rig="threePt" dir="t"/>
+    </dgm:scene3d>
+    <dgm:sp3d/>
+    <dgm:txPr/>
+    <dgm:style>
+      <a:lnRef idx="0">
+        <a:scrgbClr r="0" g="0" b="0"/>
+      </a:lnRef>
+      <a:fillRef idx="3">
+        <a:scrgbClr r="0" g="0" b="0"/>
+      </a:fillRef>
+      <a:effectRef idx="2">
+        <a:scrgbClr r="0" g="0" b="0"/>
+      </a:effectRef>
+      <a:fontRef idx="minor">
+        <a:schemeClr val="lt1"/>
+      </a:fontRef>
+    </dgm:style>
+  </dgm:styleLbl>
+  <dgm:styleLbl name="sibTrans1D1">
+    <dgm:scene3d>
+      <a:camera prst="orthographicFront"/>
+      <a:lightRig rig="threePt" dir="t"/>
+    </dgm:scene3d>
+    <dgm:sp3d/>
+    <dgm:txPr/>
+    <dgm:style>
+      <a:lnRef idx="1">
+        <a:scrgbClr r="0" g="0" b="0"/>
+      </a:lnRef>
+      <a:fillRef idx="0">
+        <a:scrgbClr r="0" g="0" b="0"/>
+      </a:fillRef>
+      <a:effectRef idx="0">
+        <a:scrgbClr r="0" g="0" b="0"/>
+      </a:effectRef>
+      <a:fontRef idx="minor"/>
+    </dgm:style>
+  </dgm:styleLbl>
+  <dgm:styleLbl name="callout">
+    <dgm:scene3d>
+      <a:camera prst="orthographicFront"/>
+      <a:lightRig rig="threePt" dir="t"/>
+    </dgm:scene3d>
+    <dgm:sp3d/>
+    <dgm:txPr/>
+    <dgm:style>
+      <a:lnRef idx="2">
+        <a:scrgbClr r="0" g="0" b="0"/>
+      </a:lnRef>
+      <a:fillRef idx="1">
+        <a:scrgbClr r="0" g="0" b="0"/>
+      </a:fillRef>
+      <a:effectRef idx="1">
+        <a:scrgbClr r="0" g="0" b="0"/>
+      </a:effectRef>
+      <a:fontRef idx="minor"/>
+    </dgm:style>
+  </dgm:styleLbl>
+  <dgm:styleLbl name="asst0">
+    <dgm:scene3d>
+      <a:camera prst="orthographicFront"/>
+      <a:lightRig rig="threePt" dir="t"/>
+    </dgm:scene3d>
+    <dgm:sp3d/>
+    <dgm:txPr/>
+    <dgm:style>
+      <a:lnRef idx="0">
+        <a:scrgbClr r="0" g="0" b="0"/>
+      </a:lnRef>
+      <a:fillRef idx="3">
+        <a:scrgbClr r="0" g="0" b="0"/>
+      </a:fillRef>
+      <a:effectRef idx="2">
+        <a:scrgbClr r="0" g="0" b="0"/>
+      </a:effectRef>
+      <a:fontRef idx="minor">
+        <a:schemeClr val="lt1"/>
+      </a:fontRef>
+    </dgm:style>
+  </dgm:styleLbl>
+  <dgm:styleLbl name="asst1">
+    <dgm:scene3d>
+      <a:camera prst="orthographicFront"/>
+      <a:lightRig rig="threePt" dir="t"/>
+    </dgm:scene3d>
+    <dgm:sp3d/>
+    <dgm:txPr/>
+    <dgm:style>
+      <a:lnRef idx="0">
+        <a:scrgbClr r="0" g="0" b="0"/>
+      </a:lnRef>
+      <a:fillRef idx="3">
+        <a:scrgbClr r="0" g="0" b="0"/>
+      </a:fillRef>
+      <a:effectRef idx="2">
+        <a:scrgbClr r="0" g="0" b="0"/>
+      </a:effectRef>
+      <a:fontRef idx="minor">
+        <a:schemeClr val="lt1"/>
+      </a:fontRef>
+    </dgm:style>
+  </dgm:styleLbl>
+  <dgm:styleLbl name="asst2">
+    <dgm:scene3d>
+      <a:camera prst="orthographicFront"/>
+      <a:lightRig rig="threePt" dir="t"/>
+    </dgm:scene3d>
+    <dgm:sp3d/>
+    <dgm:txPr/>
+    <dgm:style>
+      <a:lnRef idx="0">
+        <a:scrgbClr r="0" g="0" b="0"/>
+      </a:lnRef>
+      <a:fillRef idx="3">
+        <a:scrgbClr r="0" g="0" b="0"/>
+      </a:fillRef>
+      <a:effectRef idx="2">
+        <a:scrgbClr r="0" g="0" b="0"/>
+      </a:effectRef>
+      <a:fontRef idx="minor">
+        <a:schemeClr val="lt1"/>
+      </a:fontRef>
+    </dgm:style>
+  </dgm:styleLbl>
+  <dgm:styleLbl name="asst3">
+    <dgm:scene3d>
+      <a:camera prst="orthographicFront"/>
+      <a:lightRig rig="threePt" dir="t"/>
+    </dgm:scene3d>
+    <dgm:sp3d/>
+    <dgm:txPr/>
+    <dgm:style>
+      <a:lnRef idx="0">
+        <a:scrgbClr r="0" g="0" b="0"/>
+      </a:lnRef>
+      <a:fillRef idx="3">
+        <a:scrgbClr r="0" g="0" b="0"/>
+      </a:fillRef>
+      <a:effectRef idx="2">
+        <a:scrgbClr r="0" g="0" b="0"/>
+      </a:effectRef>
+      <a:fontRef idx="minor">
+        <a:schemeClr val="lt1"/>
+      </a:fontRef>
+    </dgm:style>
+  </dgm:styleLbl>
+  <dgm:styleLbl name="asst4">
+    <dgm:scene3d>
+      <a:camera prst="orthographicFront"/>
+      <a:lightRig rig="threePt" dir="t"/>
+    </dgm:scene3d>
+    <dgm:sp3d/>
+    <dgm:txPr/>
+    <dgm:style>
+      <a:lnRef idx="0">
+        <a:scrgbClr r="0" g="0" b="0"/>
+      </a:lnRef>
+      <a:fillRef idx="3">
+        <a:scrgbClr r="0" g="0" b="0"/>
+      </a:fillRef>
+      <a:effectRef idx="2">
+        <a:scrgbClr r="0" g="0" b="0"/>
+      </a:effectRef>
+      <a:fontRef idx="minor">
+        <a:schemeClr val="lt1"/>
+      </a:fontRef>
+    </dgm:style>
+  </dgm:styleLbl>
+  <dgm:styleLbl name="parChTrans2D1">
+    <dgm:scene3d>
+      <a:camera prst="orthographicFront"/>
+      <a:lightRig rig="threePt" dir="t"/>
+    </dgm:scene3d>
+    <dgm:sp3d/>
+    <dgm:txPr/>
+    <dgm:style>
+      <a:lnRef idx="0">
+        <a:scrgbClr r="0" g="0" b="0"/>
+      </a:lnRef>
+      <a:fillRef idx="3">
+        <a:scrgbClr r="0" g="0" b="0"/>
+      </a:fillRef>
+      <a:effectRef idx="2">
+        <a:scrgbClr r="0" g="0" b="0"/>
+      </a:effectRef>
+      <a:fontRef idx="minor">
+        <a:schemeClr val="lt1"/>
+      </a:fontRef>
+    </dgm:style>
+  </dgm:styleLbl>
+  <dgm:styleLbl name="parChTrans2D2">
+    <dgm:scene3d>
+      <a:camera prst="orthographicFront"/>
+      <a:lightRig rig="threePt" dir="t"/>
+    </dgm:scene3d>
+    <dgm:sp3d/>
+    <dgm:txPr/>
+    <dgm:style>
+      <a:lnRef idx="0">
+        <a:scrgbClr r="0" g="0" b="0"/>
+      </a:lnRef>
+      <a:fillRef idx="3">
+        <a:scrgbClr r="0" g="0" b="0"/>
+      </a:fillRef>
+      <a:effectRef idx="2">
+        <a:scrgbClr r="0" g="0" b="0"/>
+      </a:effectRef>
+      <a:fontRef idx="minor">
+        <a:schemeClr val="lt1"/>
+      </a:fontRef>
+    </dgm:style>
+  </dgm:styleLbl>
+  <dgm:styleLbl name="parChTrans2D3">
+    <dgm:scene3d>
+      <a:camera prst="orthographicFront"/>
+      <a:lightRig rig="threePt" dir="t"/>
+    </dgm:scene3d>
+    <dgm:sp3d/>
+    <dgm:txPr/>
+    <dgm:style>
+      <a:lnRef idx="1">
+        <a:scrgbClr r="0" g="0" b="0"/>
+      </a:lnRef>
+      <a:fillRef idx="3">
+        <a:scrgbClr r="0" g="0" b="0"/>
+      </a:fillRef>
+      <a:effectRef idx="2">
+        <a:scrgbClr r="0" g="0" b="0"/>
+      </a:effectRef>
+      <a:fontRef idx="minor">
+        <a:schemeClr val="lt1"/>
+      </a:fontRef>
+    </dgm:style>
+  </dgm:styleLbl>
+  <dgm:styleLbl name="parChTrans2D4">
+    <dgm:scene3d>
+      <a:camera prst="orthographicFront"/>
+      <a:lightRig rig="threePt" dir="t"/>
+    </dgm:scene3d>
+    <dgm:sp3d/>
+    <dgm:txPr/>
+    <dgm:style>
+      <a:lnRef idx="1">
+        <a:scrgbClr r="0" g="0" b="0"/>
+      </a:lnRef>
+      <a:fillRef idx="3">
+        <a:scrgbClr r="0" g="0" b="0"/>
+      </a:fillRef>
+      <a:effectRef idx="2">
+        <a:scrgbClr r="0" g="0" b="0"/>
+      </a:effectRef>
+      <a:fontRef idx="minor">
+        <a:schemeClr val="lt1"/>
+      </a:fontRef>
+    </dgm:style>
+  </dgm:styleLbl>
+  <dgm:styleLbl name="parChTrans1D1">
+    <dgm:scene3d>
+      <a:camera prst="orthographicFront"/>
+      <a:lightRig rig="threePt" dir="t"/>
+    </dgm:scene3d>
+    <dgm:sp3d/>
+    <dgm:txPr/>
+    <dgm:style>
+      <a:lnRef idx="1">
+        <a:scrgbClr r="0" g="0" b="0"/>
+      </a:lnRef>
+      <a:fillRef idx="0">
+        <a:scrgbClr r="0" g="0" b="0"/>
+      </a:fillRef>
+      <a:effectRef idx="0">
+        <a:scrgbClr r="0" g="0" b="0"/>
+      </a:effectRef>
+      <a:fontRef idx="minor"/>
+    </dgm:style>
+  </dgm:styleLbl>
+  <dgm:styleLbl name="parChTrans1D2">
+    <dgm:scene3d>
+      <a:camera prst="orthographicFront"/>
+      <a:lightRig rig="threePt" dir="t"/>
+    </dgm:scene3d>
+    <dgm:sp3d/>
+    <dgm:txPr/>
+    <dgm:style>
+      <a:lnRef idx="1">
+        <a:scrgbClr r="0" g="0" b="0"/>
+      </a:lnRef>
+      <a:fillRef idx="0">
+        <a:scrgbClr r="0" g="0" b="0"/>
+      </a:fillRef>
+      <a:effectRef idx="0">
+        <a:scrgbClr r="0" g="0" b="0"/>
+      </a:effectRef>
+      <a:fontRef idx="minor"/>
+    </dgm:style>
+  </dgm:styleLbl>
+  <dgm:styleLbl name="parChTrans1D3">
+    <dgm:scene3d>
+      <a:camera prst="orthographicFront"/>
+      <a:lightRig rig="threePt" dir="t"/>
+    </dgm:scene3d>
+    <dgm:sp3d/>
+    <dgm:txPr/>
+    <dgm:style>
+      <a:lnRef idx="1">
+        <a:scrgbClr r="0" g="0" b="0"/>
+      </a:lnRef>
+      <a:fillRef idx="0">
+        <a:scrgbClr r="0" g="0" b="0"/>
+      </a:fillRef>
+      <a:effectRef idx="0">
+        <a:scrgbClr r="0" g="0" b="0"/>
+      </a:effectRef>
+      <a:fontRef idx="minor"/>
+    </dgm:style>
+  </dgm:styleLbl>
+  <dgm:styleLbl name="parChTrans1D4">
+    <dgm:scene3d>
+      <a:camera prst="orthographicFront"/>
+      <a:lightRig rig="threePt" dir="t"/>
+    </dgm:scene3d>
+    <dgm:sp3d/>
+    <dgm:txPr/>
+    <dgm:style>
+      <a:lnRef idx="1">
+        <a:scrgbClr r="0" g="0" b="0"/>
+      </a:lnRef>
+      <a:fillRef idx="0">
+        <a:scrgbClr r="0" g="0" b="0"/>
+      </a:fillRef>
+      <a:effectRef idx="0">
+        <a:scrgbClr r="0" g="0" b="0"/>
+      </a:effectRef>
+      <a:fontRef idx="minor"/>
+    </dgm:style>
+  </dgm:styleLbl>
+  <dgm:styleLbl name="fgAcc1">
+    <dgm:scene3d>
+      <a:camera prst="orthographicFront"/>
+      <a:lightRig rig="threePt" dir="t"/>
+    </dgm:scene3d>
+    <dgm:sp3d/>
+    <dgm:txPr/>
+    <dgm:style>
+      <a:lnRef idx="1">
+        <a:scrgbClr r="0" g="0" b="0"/>
+      </a:lnRef>
+      <a:fillRef idx="1">
+        <a:scrgbClr r="0" g="0" b="0"/>
+      </a:fillRef>
+      <a:effectRef idx="0">
+        <a:scrgbClr r="0" g="0" b="0"/>
+      </a:effectRef>
+      <a:fontRef idx="minor"/>
+    </dgm:style>
+  </dgm:styleLbl>
+  <dgm:styleLbl name="conFgAcc1">
+    <dgm:scene3d>
+      <a:camera prst="orthographicFront"/>
+      <a:lightRig rig="threePt" dir="t"/>
+    </dgm:scene3d>
+    <dgm:sp3d/>
+    <dgm:txPr/>
+    <dgm:style>
+      <a:lnRef idx="1">
+        <a:scrgbClr r="0" g="0" b="0"/>
+      </a:lnRef>
+      <a:fillRef idx="1">
+        <a:scrgbClr r="0" g="0" b="0"/>
+      </a:fillRef>
+      <a:effectRef idx="0">
+        <a:scrgbClr r="0" g="0" b="0"/>
+      </a:effectRef>
+      <a:fontRef idx="minor"/>
+    </dgm:style>
+  </dgm:styleLbl>
+  <dgm:styleLbl name="alignAcc1">
+    <dgm:scene3d>
+      <a:camera prst="orthographicFront"/>
+      <a:lightRig rig="threePt" dir="t"/>
+    </dgm:scene3d>
+    <dgm:sp3d/>
+    <dgm:txPr/>
+    <dgm:style>
+      <a:lnRef idx="1">
+        <a:scrgbClr r="0" g="0" b="0"/>
+      </a:lnRef>
+      <a:fillRef idx="1">
+        <a:scrgbClr r="0" g="0" b="0"/>
+      </a:fillRef>
+      <a:effectRef idx="0">
+        <a:scrgbClr r="0" g="0" b="0"/>
+      </a:effectRef>
+      <a:fontRef idx="minor"/>
+    </dgm:style>
+  </dgm:styleLbl>
+  <dgm:styleLbl name="trAlignAcc1">
+    <dgm:scene3d>
+      <a:camera prst="orthographicFront"/>
+      <a:lightRig rig="threePt" dir="t"/>
+    </dgm:scene3d>
+    <dgm:sp3d/>
+    <dgm:txPr/>
+    <dgm:style>
+      <a:lnRef idx="1">
+        <a:scrgbClr r="0" g="0" b="0"/>
+      </a:lnRef>
+      <a:fillRef idx="1">
+        <a:scrgbClr r="0" g="0" b="0"/>
+      </a:fillRef>
+      <a:effectRef idx="0">
+        <a:scrgbClr r="0" g="0" b="0"/>
+      </a:effectRef>
+      <a:fontRef idx="minor"/>
+    </dgm:style>
+  </dgm:styleLbl>
+  <dgm:styleLbl name="bgAcc1">
+    <dgm:scene3d>
+      <a:camera prst="orthographicFront"/>
+      <a:lightRig rig="threePt" dir="t"/>
+    </dgm:scene3d>
+    <dgm:sp3d/>
+    <dgm:txPr/>
+    <dgm:style>
+      <a:lnRef idx="1">
+        <a:scrgbClr r="0" g="0" b="0"/>
+      </a:lnRef>
+      <a:fillRef idx="1">
+        <a:scrgbClr r="0" g="0" b="0"/>
+      </a:fillRef>
+      <a:effectRef idx="0">
+        <a:scrgbClr r="0" g="0" b="0"/>
+      </a:effectRef>
+      <a:fontRef idx="minor"/>
+    </dgm:style>
+  </dgm:styleLbl>
+  <dgm:styleLbl name="solidFgAcc1">
+    <dgm:scene3d>
+      <a:camera prst="orthographicFront"/>
+      <a:lightRig rig="threePt" dir="t"/>
+    </dgm:scene3d>
+    <dgm:sp3d/>
+    <dgm:txPr/>
+    <dgm:style>
+      <a:lnRef idx="1">
+        <a:scrgbClr r="0" g="0" b="0"/>
+      </a:lnRef>
+      <a:fillRef idx="1">
+        <a:scrgbClr r="0" g="0" b="0"/>
+      </a:fillRef>
+      <a:effectRef idx="0">
+        <a:scrgbClr r="0" g="0" b="0"/>
+      </a:effectRef>
+      <a:fontRef idx="minor"/>
+    </dgm:style>
+  </dgm:styleLbl>
+  <dgm:styleLbl name="solidAlignAcc1">
+    <dgm:scene3d>
+      <a:camera prst="orthographicFront"/>
+      <a:lightRig rig="threePt" dir="t"/>
+    </dgm:scene3d>
+    <dgm:sp3d/>
+    <dgm:txPr/>
+    <dgm:style>
+      <a:lnRef idx="1">
+        <a:scrgbClr r="0" g="0" b="0"/>
+      </a:lnRef>
+      <a:fillRef idx="1">
+        <a:scrgbClr r="0" g="0" b="0"/>
+      </a:fillRef>
+      <a:effectRef idx="0">
+        <a:scrgbClr r="0" g="0" b="0"/>
+      </a:effectRef>
+      <a:fontRef idx="minor"/>
+    </dgm:style>
+  </dgm:styleLbl>
+  <dgm:styleLbl name="solidBgAcc1">
+    <dgm:scene3d>
+      <a:camera prst="orthographicFront"/>
+      <a:lightRig rig="threePt" dir="t"/>
+    </dgm:scene3d>
+    <dgm:sp3d/>
+    <dgm:txPr/>
+    <dgm:style>
+      <a:lnRef idx="1">
+        <a:scrgbClr r="0" g="0" b="0"/>
+      </a:lnRef>
+      <a:fillRef idx="1">
+        <a:scrgbClr r="0" g="0" b="0"/>
+      </a:fillRef>
+      <a:effectRef idx="0">
+        <a:scrgbClr r="0" g="0" b="0"/>
+      </a:effectRef>
+      <a:fontRef idx="minor"/>
+    </dgm:style>
+  </dgm:styleLbl>
+  <dgm:styleLbl name="fgAccFollowNode1">
+    <dgm:scene3d>
+      <a:camera prst="orthographicFront"/>
+      <a:lightRig rig="threePt" dir="t"/>
+    </dgm:scene3d>
+    <dgm:sp3d/>
+    <dgm:txPr/>
+    <dgm:style>
+      <a:lnRef idx="1">
+        <a:scrgbClr r="0" g="0" b="0"/>
+      </a:lnRef>
+      <a:fillRef idx="1">
+        <a:scrgbClr r="0" g="0" b="0"/>
+      </a:fillRef>
+      <a:effectRef idx="0">
+        <a:scrgbClr r="0" g="0" b="0"/>
+      </a:effectRef>
+      <a:fontRef idx="minor"/>
+    </dgm:style>
+  </dgm:styleLbl>
+  <dgm:styleLbl name="alignAccFollowNode1">
+    <dgm:scene3d>
+      <a:camera prst="orthographicFront"/>
+      <a:lightRig rig="threePt" dir="t"/>
+    </dgm:scene3d>
+    <dgm:sp3d/>
+    <dgm:txPr/>
+    <dgm:style>
+      <a:lnRef idx="1">
+        <a:scrgbClr r="0" g="0" b="0"/>
+      </a:lnRef>
+      <a:fillRef idx="1">
+        <a:scrgbClr r="0" g="0" b="0"/>
+      </a:fillRef>
+      <a:effectRef idx="0">
+        <a:scrgbClr r="0" g="0" b="0"/>
+      </a:effectRef>
+      <a:fontRef idx="minor"/>
+    </dgm:style>
+  </dgm:styleLbl>
+  <dgm:styleLbl name="bgAccFollowNode1">
+    <dgm:scene3d>
+      <a:camera prst="orthographicFront"/>
+      <a:lightRig rig="threePt" dir="t"/>
+    </dgm:scene3d>
+    <dgm:sp3d/>
+    <dgm:txPr/>
+    <dgm:style>
+      <a:lnRef idx="1">
+        <a:scrgbClr r="0" g="0" b="0"/>
+      </a:lnRef>
+      <a:fillRef idx="1">
+        <a:scrgbClr r="0" g="0" b="0"/>
+      </a:fillRef>
+      <a:effectRef idx="0">
+        <a:scrgbClr r="0" g="0" b="0"/>
+      </a:effectRef>
+      <a:fontRef idx="minor"/>
+    </dgm:style>
+  </dgm:styleLbl>
+  <dgm:styleLbl name="fgAcc0">
+    <dgm:scene3d>
+      <a:camera prst="orthographicFront"/>
+      <a:lightRig rig="threePt" dir="t"/>
+    </dgm:scene3d>
+    <dgm:sp3d/>
+    <dgm:txPr/>
+    <dgm:style>
+      <a:lnRef idx="1">
+        <a:scrgbClr r="0" g="0" b="0"/>
+      </a:lnRef>
+      <a:fillRef idx="1">
+        <a:scrgbClr r="0" g="0" b="0"/>
+      </a:fillRef>
+      <a:effectRef idx="0">
+        <a:scrgbClr r="0" g="0" b="0"/>
+      </a:effectRef>
+      <a:fontRef idx="minor"/>
+    </dgm:style>
+  </dgm:styleLbl>
+  <dgm:styleLbl name="fgAcc2">
+    <dgm:scene3d>
+      <a:camera prst="orthographicFront"/>
+      <a:lightRig rig="threePt" dir="t"/>
+    </dgm:scene3d>
+    <dgm:sp3d/>
+    <dgm:txPr/>
+    <dgm:style>
+      <a:lnRef idx="1">
+        <a:scrgbClr r="0" g="0" b="0"/>
+      </a:lnRef>
+      <a:fillRef idx="1">
+        <a:scrgbClr r="0" g="0" b="0"/>
+      </a:fillRef>
+      <a:effectRef idx="0">
+        <a:scrgbClr r="0" g="0" b="0"/>
+      </a:effectRef>
+      <a:fontRef idx="minor"/>
+    </dgm:style>
+  </dgm:styleLbl>
+  <dgm:styleLbl name="fgAcc3">
+    <dgm:scene3d>
+      <a:camera prst="orthographicFront"/>
+      <a:lightRig rig="threePt" dir="t"/>
+    </dgm:scene3d>
+    <dgm:sp3d/>
+    <dgm:txPr/>
+    <dgm:style>
+      <a:lnRef idx="1">
+        <a:scrgbClr r="0" g="0" b="0"/>
+      </a:lnRef>
+      <a:fillRef idx="1">
+        <a:scrgbClr r="0" g="0" b="0"/>
+      </a:fillRef>
+      <a:effectRef idx="0">
+        <a:scrgbClr r="0" g="0" b="0"/>
+      </a:effectRef>
+      <a:fontRef idx="minor"/>
+    </dgm:style>
+  </dgm:styleLbl>
+  <dgm:styleLbl name="fgAcc4">
+    <dgm:scene3d>
+      <a:camera prst="orthographicFront"/>
+      <a:lightRig rig="threePt" dir="t"/>
+    </dgm:scene3d>
+    <dgm:sp3d/>
+    <dgm:txPr/>
+    <dgm:style>
+      <a:lnRef idx="1">
+        <a:scrgbClr r="0" g="0" b="0"/>
+      </a:lnRef>
+      <a:fillRef idx="1">
+        <a:scrgbClr r="0" g="0" b="0"/>
+      </a:fillRef>
+      <a:effectRef idx="0">
+        <a:scrgbClr r="0" g="0" b="0"/>
+      </a:effectRef>
+      <a:fontRef idx="minor"/>
+    </dgm:style>
+  </dgm:styleLbl>
+  <dgm:styleLbl name="bgShp">
+    <dgm:scene3d>
+      <a:camera prst="orthographicFront"/>
+      <a:lightRig rig="threePt" dir="t"/>
+    </dgm:scene3d>
+    <dgm:sp3d/>
+    <dgm:txPr/>
+    <dgm:style>
+      <a:lnRef idx="0">
+        <a:scrgbClr r="0" g="0" b="0"/>
+      </a:lnRef>
+      <a:fillRef idx="1">
+        <a:scrgbClr r="0" g="0" b="0"/>
+      </a:fillRef>
+      <a:effectRef idx="2">
+        <a:scrgbClr r="0" g="0" b="0"/>
+      </a:effectRef>
+      <a:fontRef idx="minor"/>
+    </dgm:style>
+  </dgm:styleLbl>
+  <dgm:styleLbl name="dkBgShp">
+    <dgm:scene3d>
+      <a:camera prst="orthographicFront"/>
+      <a:lightRig rig="threePt" dir="t"/>
+    </dgm:scene3d>
+    <dgm:sp3d/>
+    <dgm:txPr/>
+    <dgm:style>
+      <a:lnRef idx="0">
+        <a:scrgbClr r="0" g="0" b="0"/>
+      </a:lnRef>
+      <a:fillRef idx="1">
+        <a:scrgbClr r="0" g="0" b="0"/>
+      </a:fillRef>
+      <a:effectRef idx="2">
+        <a:scrgbClr r="0" g="0" b="0"/>
+      </a:effectRef>
+      <a:fontRef idx="minor"/>
+    </dgm:style>
+  </dgm:styleLbl>
+  <dgm:styleLbl name="trBgShp">
+    <dgm:scene3d>
+      <a:camera prst="orthographicFront"/>
+      <a:lightRig rig="threePt" dir="t"/>
+    </dgm:scene3d>
+    <dgm:sp3d/>
+    <dgm:txPr/>
+    <dgm:style>
+      <a:lnRef idx="0">
+        <a:scrgbClr r="0" g="0" b="0"/>
+      </a:lnRef>
+      <a:fillRef idx="1">
+        <a:scrgbClr r="0" g="0" b="0"/>
+      </a:fillRef>
+      <a:effectRef idx="0">
+        <a:scrgbClr r="0" g="0" b="0"/>
+      </a:effectRef>
+      <a:fontRef idx="minor"/>
+    </dgm:style>
+  </dgm:styleLbl>
+  <dgm:styleLbl name="fgShp">
+    <dgm:scene3d>
+      <a:camera prst="orthographicFront"/>
+      <a:lightRig rig="threePt" dir="t"/>
+    </dgm:scene3d>
+    <dgm:sp3d/>
+    <dgm:txPr/>
+    <dgm:style>
+      <a:lnRef idx="0">
+        <a:scrgbClr r="0" g="0" b="0"/>
+      </a:lnRef>
+      <a:fillRef idx="3">
+        <a:scrgbClr r="0" g="0" b="0"/>
+      </a:fillRef>
+      <a:effectRef idx="2">
+        <a:scrgbClr r="0" g="0" b="0"/>
+      </a:effectRef>
+      <a:fontRef idx="minor"/>
+    </dgm:style>
+  </dgm:styleLbl>
+  <dgm:styleLbl name="revTx">
+    <dgm:scene3d>
+      <a:camera prst="orthographicFront"/>
+      <a:lightRig rig="threePt" dir="t"/>
+    </dgm:scene3d>
+    <dgm:sp3d/>
+    <dgm:txPr/>
+    <dgm:style>
+      <a:lnRef idx="0">
+        <a:scrgbClr r="0" g="0" b="0"/>
+      </a:lnRef>
+      <a:fillRef idx="0">
+        <a:scrgbClr r="0" g="0" b="0"/>
+      </a:fillRef>
+      <a:effectRef idx="0">
+        <a:scrgbClr r="0" g="0" b="0"/>
+      </a:effectRef>
+      <a:fontRef idx="minor"/>
+    </dgm:style>
+  </dgm:styleLbl>
+</dgm:styleDef>
+</file>
+
+<file path=ppt/diagrams/quickStyle7.xml><?xml version="1.0" encoding="utf-8"?>
 <dgm:styleDef xmlns:dgm="http://schemas.openxmlformats.org/drawingml/2006/diagram" xmlns:a="http://schemas.openxmlformats.org/drawingml/2006/main" uniqueId="urn:microsoft.com/office/officeart/2005/8/quickstyle/simple1">
   <dgm:title val=""/>
   <dgm:desc val=""/>
@@ -17225,7 +20209,7 @@
           <a:p>
             <a:fld id="{85EE1F57-E73E-475C-872F-886F27274373}" type="datetimeFigureOut">
               <a:rPr lang="nl-BE" smtClean="0"/>
-              <a:t>13/09/2020</a:t>
+              <a:t>21/09/2020</a:t>
             </a:fld>
             <a:endParaRPr lang="nl-BE"/>
           </a:p>
@@ -17390,7 +20374,7 @@
           <a:p>
             <a:fld id="{E0BBF532-A5DD-4E27-82A5-D972027CDA5D}" type="datetimeFigureOut">
               <a:rPr lang="nl-BE" smtClean="0"/>
-              <a:t>13/09/2020</a:t>
+              <a:t>21/09/2020</a:t>
             </a:fld>
             <a:endParaRPr lang="nl-BE"/>
           </a:p>
@@ -18237,7 +21221,7 @@
           <a:p>
             <a:fld id="{BCCA6142-F57B-48C8-97F4-E016AC358AB9}" type="datetime1">
               <a:rPr lang="nl-BE" smtClean="0"/>
-              <a:t>13/09/2020</a:t>
+              <a:t>21/09/2020</a:t>
             </a:fld>
             <a:endParaRPr lang="nl-BE" dirty="0"/>
           </a:p>
@@ -18533,7 +21517,7 @@
           <a:p>
             <a:fld id="{5FB9A890-CB95-4A02-8EA4-7544B08DB4E2}" type="datetime1">
               <a:rPr lang="nl-BE" smtClean="0"/>
-              <a:t>13/09/2020</a:t>
+              <a:t>21/09/2020</a:t>
             </a:fld>
             <a:endParaRPr lang="nl-BE"/>
           </a:p>
@@ -18746,7 +21730,7 @@
           <a:p>
             <a:fld id="{813D1D9F-4518-4980-9C0D-8EB7894ABDE4}" type="datetime1">
               <a:rPr lang="nl-BE" smtClean="0"/>
-              <a:t>13/09/2020</a:t>
+              <a:t>21/09/2020</a:t>
             </a:fld>
             <a:endParaRPr lang="nl-BE"/>
           </a:p>
@@ -18980,7 +21964,7 @@
           <a:p>
             <a:fld id="{62BF7167-EA82-4644-8F88-C53816572F96}" type="datetime1">
               <a:rPr lang="nl-BE" smtClean="0"/>
-              <a:t>13/09/2020</a:t>
+              <a:t>21/09/2020</a:t>
             </a:fld>
             <a:endParaRPr lang="nl-BE"/>
           </a:p>
@@ -19260,7 +22244,7 @@
           <a:p>
             <a:fld id="{FC393B68-E771-4EAB-BD5A-988B3BCEC1C4}" type="datetime1">
               <a:rPr lang="nl-BE" smtClean="0"/>
-              <a:t>13/09/2020</a:t>
+              <a:t>21/09/2020</a:t>
             </a:fld>
             <a:endParaRPr lang="nl-BE"/>
           </a:p>
@@ -19531,7 +22515,7 @@
           <a:p>
             <a:fld id="{3FA1FA05-B5D2-497F-81AB-0906CD7F230B}" type="datetime1">
               <a:rPr lang="nl-BE" smtClean="0"/>
-              <a:t>13/09/2020</a:t>
+              <a:t>21/09/2020</a:t>
             </a:fld>
             <a:endParaRPr lang="nl-BE"/>
           </a:p>
@@ -19949,7 +22933,7 @@
           <a:p>
             <a:fld id="{05261B88-F79F-4529-821E-344A934E6946}" type="datetime1">
               <a:rPr lang="nl-BE" smtClean="0"/>
-              <a:t>13/09/2020</a:t>
+              <a:t>21/09/2020</a:t>
             </a:fld>
             <a:endParaRPr lang="nl-BE"/>
           </a:p>
@@ -20094,7 +23078,7 @@
           <a:p>
             <a:fld id="{9D36FFD9-A9CE-4423-9581-2A56F0092606}" type="datetime1">
               <a:rPr lang="nl-BE" smtClean="0"/>
-              <a:t>13/09/2020</a:t>
+              <a:t>21/09/2020</a:t>
             </a:fld>
             <a:endParaRPr lang="nl-BE"/>
           </a:p>
@@ -20210,7 +23194,7 @@
           <a:p>
             <a:fld id="{7896331C-B12C-4B5E-A588-AEBE791B8080}" type="datetime1">
               <a:rPr lang="nl-BE" smtClean="0"/>
-              <a:t>13/09/2020</a:t>
+              <a:t>21/09/2020</a:t>
             </a:fld>
             <a:endParaRPr lang="nl-BE"/>
           </a:p>
@@ -20526,7 +23510,7 @@
           <a:p>
             <a:fld id="{CDDA2E80-F5AF-4838-8E2B-93B8353DFA07}" type="datetime1">
               <a:rPr lang="nl-BE" smtClean="0"/>
-              <a:t>13/09/2020</a:t>
+              <a:t>21/09/2020</a:t>
             </a:fld>
             <a:endParaRPr lang="nl-BE"/>
           </a:p>
@@ -20822,7 +23806,7 @@
           <a:p>
             <a:fld id="{2D0660AB-DEF8-4F0D-B084-808191304D25}" type="datetime1">
               <a:rPr lang="nl-BE" smtClean="0"/>
-              <a:t>13/09/2020</a:t>
+              <a:t>21/09/2020</a:t>
             </a:fld>
             <a:endParaRPr lang="nl-BE"/>
           </a:p>
@@ -21068,7 +24052,7 @@
           <a:p>
             <a:fld id="{A671A349-F1E9-4BB9-BDF1-40D376A3D129}" type="datetime1">
               <a:rPr lang="nl-BE" smtClean="0"/>
-              <a:t>13/09/2020</a:t>
+              <a:t>21/09/2020</a:t>
             </a:fld>
             <a:endParaRPr lang="nl-BE"/>
           </a:p>
@@ -27368,6 +30352,97 @@
       </p:grpSpPr>
       <p:sp>
         <p:nvSpPr>
+          <p:cNvPr id="132098" name="Titel 1"/>
+          <p:cNvSpPr>
+            <a:spLocks noGrp="1"/>
+          </p:cNvSpPr>
+          <p:nvPr>
+            <p:ph type="title"/>
+          </p:nvPr>
+        </p:nvSpPr>
+        <p:spPr>
+          <a:xfrm>
+            <a:off x="535020" y="685800"/>
+            <a:ext cx="2780271" cy="5105400"/>
+          </a:xfrm>
+        </p:spPr>
+        <p:txBody>
+          <a:bodyPr>
+            <a:normAutofit/>
+          </a:bodyPr>
+          <a:lstStyle/>
+          <a:p>
+            <a:r>
+              <a:rPr lang="nl-BE" sz="4000" dirty="0" err="1"/>
+              <a:t>Conlusie</a:t>
+            </a:r>
+            <a:endParaRPr lang="nl-BE" sz="4000" dirty="0"/>
+          </a:p>
+        </p:txBody>
+      </p:sp>
+      <p:graphicFrame>
+        <p:nvGraphicFramePr>
+          <p:cNvPr id="132102" name="Tijdelijke aanduiding voor inhoud 2">
+            <a:extLst>
+              <a:ext uri="{FF2B5EF4-FFF2-40B4-BE49-F238E27FC236}">
+                <a16:creationId xmlns:a16="http://schemas.microsoft.com/office/drawing/2014/main" id="{F834A411-3050-45F3-913A-64B61034193D}"/>
+              </a:ext>
+            </a:extLst>
+          </p:cNvPr>
+          <p:cNvGraphicFramePr>
+            <a:graphicFrameLocks noGrp="1"/>
+          </p:cNvGraphicFramePr>
+          <p:nvPr>
+            <p:ph idx="1"/>
+            <p:extLst>
+              <p:ext uri="{D42A27DB-BD31-4B8C-83A1-F6EECF244321}">
+                <p14:modId xmlns:p14="http://schemas.microsoft.com/office/powerpoint/2010/main" val="2688986220"/>
+              </p:ext>
+            </p:extLst>
+          </p:nvPr>
+        </p:nvGraphicFramePr>
+        <p:xfrm>
+          <a:off x="3575720" y="685800"/>
+          <a:ext cx="8081260" cy="5105400"/>
+        </p:xfrm>
+        <a:graphic>
+          <a:graphicData uri="http://schemas.openxmlformats.org/drawingml/2006/diagram">
+            <dgm:relIds xmlns:dgm="http://schemas.openxmlformats.org/drawingml/2006/diagram" xmlns:r="http://schemas.openxmlformats.org/officeDocument/2006/relationships" r:dm="rId2" r:lo="rId3" r:qs="rId4" r:cs="rId5"/>
+          </a:graphicData>
+        </a:graphic>
+      </p:graphicFrame>
+    </p:spTree>
+    <p:extLst>
+      <p:ext uri="{BB962C8B-B14F-4D97-AF65-F5344CB8AC3E}">
+        <p14:creationId xmlns:p14="http://schemas.microsoft.com/office/powerpoint/2010/main" val="3826132144"/>
+      </p:ext>
+    </p:extLst>
+  </p:cSld>
+  <p:clrMapOvr>
+    <a:masterClrMapping/>
+  </p:clrMapOvr>
+</p:sld>
+</file>
+
+<file path=ppt/slides/slide26.xml><?xml version="1.0" encoding="utf-8"?>
+<p:sld xmlns:a="http://schemas.openxmlformats.org/drawingml/2006/main" xmlns:r="http://schemas.openxmlformats.org/officeDocument/2006/relationships" xmlns:p="http://schemas.openxmlformats.org/presentationml/2006/main" show="0">
+  <p:cSld>
+    <p:spTree>
+      <p:nvGrpSpPr>
+        <p:cNvPr id="1" name=""/>
+        <p:cNvGrpSpPr/>
+        <p:nvPr/>
+      </p:nvGrpSpPr>
+      <p:grpSpPr>
+        <a:xfrm>
+          <a:off x="0" y="0"/>
+          <a:ext cx="0" cy="0"/>
+          <a:chOff x="0" y="0"/>
+          <a:chExt cx="0" cy="0"/>
+        </a:xfrm>
+      </p:grpSpPr>
+      <p:sp>
+        <p:nvSpPr>
           <p:cNvPr id="2" name="Titel 1">
             <a:extLst>
               <a:ext uri="{FF2B5EF4-FFF2-40B4-BE49-F238E27FC236}">
@@ -27540,7 +30615,7 @@
           <a:p>
             <a:fld id="{E8A62353-F7CD-46ED-8877-B27D0E33FCF8}" type="slidenum">
               <a:rPr lang="nl-BE" smtClean="0"/>
-              <a:t>25</a:t>
+              <a:t>26</a:t>
             </a:fld>
             <a:endParaRPr lang="nl-BE"/>
           </a:p>
@@ -27559,7 +30634,7 @@
 </p:sld>
 </file>
 
-<file path=ppt/slides/slide26.xml><?xml version="1.0" encoding="utf-8"?>
+<file path=ppt/slides/slide27.xml><?xml version="1.0" encoding="utf-8"?>
 <p:sld xmlns:a="http://schemas.openxmlformats.org/drawingml/2006/main" xmlns:r="http://schemas.openxmlformats.org/officeDocument/2006/relationships" xmlns:p="http://schemas.openxmlformats.org/presentationml/2006/main">
   <p:cSld>
     <p:spTree>
@@ -27698,7 +30773,7 @@
                   <a:spcPts val="600"/>
                 </a:spcAft>
               </a:pPr>
-              <a:t>26</a:t>
+              <a:t>27</a:t>
             </a:fld>
             <a:endParaRPr lang="nl-BE" sz="1000">
               <a:solidFill>
@@ -27721,7 +30796,7 @@
 </p:sld>
 </file>
 
-<file path=ppt/slides/slide27.xml><?xml version="1.0" encoding="utf-8"?>
+<file path=ppt/slides/slide28.xml><?xml version="1.0" encoding="utf-8"?>
 <p:sld xmlns:a="http://schemas.openxmlformats.org/drawingml/2006/main" xmlns:r="http://schemas.openxmlformats.org/officeDocument/2006/relationships" xmlns:p="http://schemas.openxmlformats.org/presentationml/2006/main">
   <p:cSld>
     <p:spTree>
@@ -27843,7 +30918,7 @@
           <a:p>
             <a:fld id="{E8A62353-F7CD-46ED-8877-B27D0E33FCF8}" type="slidenum">
               <a:rPr lang="nl-BE" smtClean="0"/>
-              <a:t>27</a:t>
+              <a:t>28</a:t>
             </a:fld>
             <a:endParaRPr lang="nl-BE"/>
           </a:p>
@@ -27909,7 +30984,7 @@
 </p:sld>
 </file>
 
-<file path=ppt/slides/slide28.xml><?xml version="1.0" encoding="utf-8"?>
+<file path=ppt/slides/slide29.xml><?xml version="1.0" encoding="utf-8"?>
 <p:sld xmlns:a="http://schemas.openxmlformats.org/drawingml/2006/main" xmlns:r="http://schemas.openxmlformats.org/officeDocument/2006/relationships" xmlns:p="http://schemas.openxmlformats.org/presentationml/2006/main">
   <p:cSld>
     <p:bg>
@@ -28020,7 +31095,7 @@
                   <a:spcPts val="600"/>
                 </a:spcAft>
               </a:pPr>
-              <a:t>28</a:t>
+              <a:t>29</a:t>
             </a:fld>
             <a:endParaRPr lang="en-US">
               <a:solidFill>
@@ -28064,249 +31139,6 @@
     <p:extLst>
       <p:ext uri="{BB962C8B-B14F-4D97-AF65-F5344CB8AC3E}">
         <p14:creationId xmlns:p14="http://schemas.microsoft.com/office/powerpoint/2010/main" val="2534329881"/>
-      </p:ext>
-    </p:extLst>
-  </p:cSld>
-  <p:clrMapOvr>
-    <a:masterClrMapping/>
-  </p:clrMapOvr>
-</p:sld>
-</file>
-
-<file path=ppt/slides/slide29.xml><?xml version="1.0" encoding="utf-8"?>
-<p:sld xmlns:a="http://schemas.openxmlformats.org/drawingml/2006/main" xmlns:r="http://schemas.openxmlformats.org/officeDocument/2006/relationships" xmlns:p="http://schemas.openxmlformats.org/presentationml/2006/main">
-  <p:cSld>
-    <p:spTree>
-      <p:nvGrpSpPr>
-        <p:cNvPr id="1" name=""/>
-        <p:cNvGrpSpPr/>
-        <p:nvPr/>
-      </p:nvGrpSpPr>
-      <p:grpSpPr>
-        <a:xfrm>
-          <a:off x="0" y="0"/>
-          <a:ext cx="0" cy="0"/>
-          <a:chOff x="0" y="0"/>
-          <a:chExt cx="0" cy="0"/>
-        </a:xfrm>
-      </p:grpSpPr>
-      <p:pic>
-        <p:nvPicPr>
-          <p:cNvPr id="6" name="Tijdelijke aanduiding voor inhoud 5" descr="Afbeelding met persoon, man, spel, vasthouden&#10;&#10;Automatisch gegenereerde beschrijving">
-            <a:extLst>
-              <a:ext uri="{FF2B5EF4-FFF2-40B4-BE49-F238E27FC236}">
-                <a16:creationId xmlns:a16="http://schemas.microsoft.com/office/drawing/2014/main" id="{BE72DF79-6E05-4D0B-9123-C28495F8B48A}"/>
-              </a:ext>
-            </a:extLst>
-          </p:cNvPr>
-          <p:cNvPicPr>
-            <a:picLocks noGrp="1" noChangeAspect="1"/>
-          </p:cNvPicPr>
-          <p:nvPr>
-            <p:ph idx="1"/>
-          </p:nvPr>
-        </p:nvPicPr>
-        <p:blipFill rotWithShape="1">
-          <a:blip r:embed="rId2">
-            <a:clrChange>
-              <a:clrFrom>
-                <a:srgbClr val="FFFFFF"/>
-              </a:clrFrom>
-              <a:clrTo>
-                <a:srgbClr val="FFFFFF">
-                  <a:alpha val="0"/>
-                </a:srgbClr>
-              </a:clrTo>
-            </a:clrChange>
-            <a:extLst>
-              <a:ext uri="{28A0092B-C50C-407E-A947-70E740481C1C}">
-                <a14:useLocalDpi xmlns:a14="http://schemas.microsoft.com/office/drawing/2010/main" val="0"/>
-              </a:ext>
-            </a:extLst>
-          </a:blip>
-          <a:srcRect l="51139" t="6424" b="9307"/>
-          <a:stretch/>
-        </p:blipFill>
-        <p:spPr>
-          <a:xfrm>
-            <a:off x="7032104" y="917720"/>
-            <a:ext cx="5159896" cy="5940280"/>
-          </a:xfrm>
-          <a:prstGeom prst="rect">
-            <a:avLst/>
-          </a:prstGeom>
-        </p:spPr>
-      </p:pic>
-      <p:sp>
-        <p:nvSpPr>
-          <p:cNvPr id="4" name="Tijdelijke aanduiding voor dianummer 3">
-            <a:extLst>
-              <a:ext uri="{FF2B5EF4-FFF2-40B4-BE49-F238E27FC236}">
-                <a16:creationId xmlns:a16="http://schemas.microsoft.com/office/drawing/2014/main" id="{DB0C7AB3-4EC2-4DBB-AB36-C43CC07B41C0}"/>
-              </a:ext>
-            </a:extLst>
-          </p:cNvPr>
-          <p:cNvSpPr>
-            <a:spLocks noGrp="1"/>
-          </p:cNvSpPr>
-          <p:nvPr>
-            <p:ph type="sldNum" sz="quarter" idx="12"/>
-          </p:nvPr>
-        </p:nvSpPr>
-        <p:spPr/>
-        <p:txBody>
-          <a:bodyPr vert="horz" lIns="91440" tIns="45720" rIns="91440" bIns="45720" rtlCol="0" anchor="ctr">
-            <a:normAutofit/>
-          </a:bodyPr>
-          <a:lstStyle/>
-          <a:p>
-            <a:pPr>
-              <a:spcAft>
-                <a:spcPts val="600"/>
-              </a:spcAft>
-            </a:pPr>
-            <a:fld id="{E8A62353-F7CD-46ED-8877-B27D0E33FCF8}" type="slidenum">
-              <a:rPr lang="en-US">
-                <a:solidFill>
-                  <a:srgbClr val="FFFFFF"/>
-                </a:solidFill>
-              </a:rPr>
-              <a:pPr>
-                <a:spcAft>
-                  <a:spcPts val="600"/>
-                </a:spcAft>
-              </a:pPr>
-              <a:t>29</a:t>
-            </a:fld>
-            <a:endParaRPr lang="en-US">
-              <a:solidFill>
-                <a:srgbClr val="FFFFFF"/>
-              </a:solidFill>
-            </a:endParaRPr>
-          </a:p>
-        </p:txBody>
-      </p:sp>
-      <p:sp>
-        <p:nvSpPr>
-          <p:cNvPr id="2" name="Tekstvak 1">
-            <a:extLst>
-              <a:ext uri="{FF2B5EF4-FFF2-40B4-BE49-F238E27FC236}">
-                <a16:creationId xmlns:a16="http://schemas.microsoft.com/office/drawing/2014/main" id="{82C80818-2477-4240-BD40-B462FF6EF6A9}"/>
-              </a:ext>
-            </a:extLst>
-          </p:cNvPr>
-          <p:cNvSpPr txBox="1"/>
-          <p:nvPr/>
-        </p:nvSpPr>
-        <p:spPr>
-          <a:xfrm>
-            <a:off x="6122278" y="343540"/>
-            <a:ext cx="1388522" cy="6170920"/>
-          </a:xfrm>
-          <a:prstGeom prst="rect">
-            <a:avLst/>
-          </a:prstGeom>
-          <a:noFill/>
-        </p:spPr>
-        <p:txBody>
-          <a:bodyPr wrap="none" rtlCol="0">
-            <a:spAutoFit/>
-          </a:bodyPr>
-          <a:lstStyle/>
-          <a:p>
-            <a:r>
-              <a:rPr lang="nl-BE" sz="39500" dirty="0">
-                <a:solidFill>
-                  <a:srgbClr val="FF0000"/>
-                </a:solidFill>
-                <a:latin typeface="Comic Sans MS" panose="030F0702030302020204" pitchFamily="66" charset="0"/>
-              </a:rPr>
-              <a:t>!</a:t>
-            </a:r>
-          </a:p>
-        </p:txBody>
-      </p:sp>
-      <p:pic>
-        <p:nvPicPr>
-          <p:cNvPr id="5" name="Picture 2">
-            <a:extLst>
-              <a:ext uri="{FF2B5EF4-FFF2-40B4-BE49-F238E27FC236}">
-                <a16:creationId xmlns:a16="http://schemas.microsoft.com/office/drawing/2014/main" id="{6040CDCE-3A35-47F6-9A70-4F1CAF7B746D}"/>
-              </a:ext>
-            </a:extLst>
-          </p:cNvPr>
-          <p:cNvPicPr>
-            <a:picLocks noChangeAspect="1" noChangeArrowheads="1"/>
-          </p:cNvPicPr>
-          <p:nvPr/>
-        </p:nvPicPr>
-        <p:blipFill>
-          <a:blip r:embed="rId3">
-            <a:extLst>
-              <a:ext uri="{28A0092B-C50C-407E-A947-70E740481C1C}">
-                <a14:useLocalDpi xmlns:a14="http://schemas.microsoft.com/office/drawing/2010/main" val="0"/>
-              </a:ext>
-            </a:extLst>
-          </a:blip>
-          <a:srcRect/>
-          <a:stretch>
-            <a:fillRect/>
-          </a:stretch>
-        </p:blipFill>
-        <p:spPr bwMode="auto">
-          <a:xfrm>
-            <a:off x="373022" y="2132856"/>
-            <a:ext cx="5376235" cy="1589246"/>
-          </a:xfrm>
-          <a:prstGeom prst="rect">
-            <a:avLst/>
-          </a:prstGeom>
-          <a:noFill/>
-          <a:extLst>
-            <a:ext uri="{909E8E84-426E-40DD-AFC4-6F175D3DCCD1}">
-              <a14:hiddenFill xmlns:a14="http://schemas.microsoft.com/office/drawing/2010/main">
-                <a:solidFill>
-                  <a:srgbClr val="FFFFFF"/>
-                </a:solidFill>
-              </a14:hiddenFill>
-            </a:ext>
-          </a:extLst>
-        </p:spPr>
-      </p:pic>
-      <p:pic>
-        <p:nvPicPr>
-          <p:cNvPr id="8" name="Afbeelding 7">
-            <a:extLst>
-              <a:ext uri="{FF2B5EF4-FFF2-40B4-BE49-F238E27FC236}">
-                <a16:creationId xmlns:a16="http://schemas.microsoft.com/office/drawing/2014/main" id="{131CB4AD-F9C5-43DF-983B-4C49E6B1585A}"/>
-              </a:ext>
-            </a:extLst>
-          </p:cNvPr>
-          <p:cNvPicPr>
-            <a:picLocks noChangeAspect="1"/>
-          </p:cNvPicPr>
-          <p:nvPr/>
-        </p:nvPicPr>
-        <p:blipFill>
-          <a:blip r:embed="rId4"/>
-          <a:stretch>
-            <a:fillRect/>
-          </a:stretch>
-        </p:blipFill>
-        <p:spPr>
-          <a:xfrm>
-            <a:off x="373022" y="136525"/>
-            <a:ext cx="9478009" cy="1144326"/>
-          </a:xfrm>
-          <a:prstGeom prst="rect">
-            <a:avLst/>
-          </a:prstGeom>
-        </p:spPr>
-      </p:pic>
-    </p:spTree>
-    <p:extLst>
-      <p:ext uri="{BB962C8B-B14F-4D97-AF65-F5344CB8AC3E}">
-        <p14:creationId xmlns:p14="http://schemas.microsoft.com/office/powerpoint/2010/main" val="554923830"/>
       </p:ext>
     </p:extLst>
   </p:cSld>
@@ -28723,6 +31555,249 @@
 <file path=ppt/slides/slide30.xml><?xml version="1.0" encoding="utf-8"?>
 <p:sld xmlns:a="http://schemas.openxmlformats.org/drawingml/2006/main" xmlns:r="http://schemas.openxmlformats.org/officeDocument/2006/relationships" xmlns:p="http://schemas.openxmlformats.org/presentationml/2006/main">
   <p:cSld>
+    <p:spTree>
+      <p:nvGrpSpPr>
+        <p:cNvPr id="1" name=""/>
+        <p:cNvGrpSpPr/>
+        <p:nvPr/>
+      </p:nvGrpSpPr>
+      <p:grpSpPr>
+        <a:xfrm>
+          <a:off x="0" y="0"/>
+          <a:ext cx="0" cy="0"/>
+          <a:chOff x="0" y="0"/>
+          <a:chExt cx="0" cy="0"/>
+        </a:xfrm>
+      </p:grpSpPr>
+      <p:pic>
+        <p:nvPicPr>
+          <p:cNvPr id="6" name="Tijdelijke aanduiding voor inhoud 5" descr="Afbeelding met persoon, man, spel, vasthouden&#10;&#10;Automatisch gegenereerde beschrijving">
+            <a:extLst>
+              <a:ext uri="{FF2B5EF4-FFF2-40B4-BE49-F238E27FC236}">
+                <a16:creationId xmlns:a16="http://schemas.microsoft.com/office/drawing/2014/main" id="{BE72DF79-6E05-4D0B-9123-C28495F8B48A}"/>
+              </a:ext>
+            </a:extLst>
+          </p:cNvPr>
+          <p:cNvPicPr>
+            <a:picLocks noGrp="1" noChangeAspect="1"/>
+          </p:cNvPicPr>
+          <p:nvPr>
+            <p:ph idx="1"/>
+          </p:nvPr>
+        </p:nvPicPr>
+        <p:blipFill rotWithShape="1">
+          <a:blip r:embed="rId2">
+            <a:clrChange>
+              <a:clrFrom>
+                <a:srgbClr val="FFFFFF"/>
+              </a:clrFrom>
+              <a:clrTo>
+                <a:srgbClr val="FFFFFF">
+                  <a:alpha val="0"/>
+                </a:srgbClr>
+              </a:clrTo>
+            </a:clrChange>
+            <a:extLst>
+              <a:ext uri="{28A0092B-C50C-407E-A947-70E740481C1C}">
+                <a14:useLocalDpi xmlns:a14="http://schemas.microsoft.com/office/drawing/2010/main" val="0"/>
+              </a:ext>
+            </a:extLst>
+          </a:blip>
+          <a:srcRect l="51139" t="6424" b="9307"/>
+          <a:stretch/>
+        </p:blipFill>
+        <p:spPr>
+          <a:xfrm>
+            <a:off x="7032104" y="917720"/>
+            <a:ext cx="5159896" cy="5940280"/>
+          </a:xfrm>
+          <a:prstGeom prst="rect">
+            <a:avLst/>
+          </a:prstGeom>
+        </p:spPr>
+      </p:pic>
+      <p:sp>
+        <p:nvSpPr>
+          <p:cNvPr id="4" name="Tijdelijke aanduiding voor dianummer 3">
+            <a:extLst>
+              <a:ext uri="{FF2B5EF4-FFF2-40B4-BE49-F238E27FC236}">
+                <a16:creationId xmlns:a16="http://schemas.microsoft.com/office/drawing/2014/main" id="{DB0C7AB3-4EC2-4DBB-AB36-C43CC07B41C0}"/>
+              </a:ext>
+            </a:extLst>
+          </p:cNvPr>
+          <p:cNvSpPr>
+            <a:spLocks noGrp="1"/>
+          </p:cNvSpPr>
+          <p:nvPr>
+            <p:ph type="sldNum" sz="quarter" idx="12"/>
+          </p:nvPr>
+        </p:nvSpPr>
+        <p:spPr/>
+        <p:txBody>
+          <a:bodyPr vert="horz" lIns="91440" tIns="45720" rIns="91440" bIns="45720" rtlCol="0" anchor="ctr">
+            <a:normAutofit/>
+          </a:bodyPr>
+          <a:lstStyle/>
+          <a:p>
+            <a:pPr>
+              <a:spcAft>
+                <a:spcPts val="600"/>
+              </a:spcAft>
+            </a:pPr>
+            <a:fld id="{E8A62353-F7CD-46ED-8877-B27D0E33FCF8}" type="slidenum">
+              <a:rPr lang="en-US">
+                <a:solidFill>
+                  <a:srgbClr val="FFFFFF"/>
+                </a:solidFill>
+              </a:rPr>
+              <a:pPr>
+                <a:spcAft>
+                  <a:spcPts val="600"/>
+                </a:spcAft>
+              </a:pPr>
+              <a:t>30</a:t>
+            </a:fld>
+            <a:endParaRPr lang="en-US">
+              <a:solidFill>
+                <a:srgbClr val="FFFFFF"/>
+              </a:solidFill>
+            </a:endParaRPr>
+          </a:p>
+        </p:txBody>
+      </p:sp>
+      <p:sp>
+        <p:nvSpPr>
+          <p:cNvPr id="2" name="Tekstvak 1">
+            <a:extLst>
+              <a:ext uri="{FF2B5EF4-FFF2-40B4-BE49-F238E27FC236}">
+                <a16:creationId xmlns:a16="http://schemas.microsoft.com/office/drawing/2014/main" id="{82C80818-2477-4240-BD40-B462FF6EF6A9}"/>
+              </a:ext>
+            </a:extLst>
+          </p:cNvPr>
+          <p:cNvSpPr txBox="1"/>
+          <p:nvPr/>
+        </p:nvSpPr>
+        <p:spPr>
+          <a:xfrm>
+            <a:off x="6122278" y="343540"/>
+            <a:ext cx="1388522" cy="6170920"/>
+          </a:xfrm>
+          <a:prstGeom prst="rect">
+            <a:avLst/>
+          </a:prstGeom>
+          <a:noFill/>
+        </p:spPr>
+        <p:txBody>
+          <a:bodyPr wrap="none" rtlCol="0">
+            <a:spAutoFit/>
+          </a:bodyPr>
+          <a:lstStyle/>
+          <a:p>
+            <a:r>
+              <a:rPr lang="nl-BE" sz="39500" dirty="0">
+                <a:solidFill>
+                  <a:srgbClr val="FF0000"/>
+                </a:solidFill>
+                <a:latin typeface="Comic Sans MS" panose="030F0702030302020204" pitchFamily="66" charset="0"/>
+              </a:rPr>
+              <a:t>!</a:t>
+            </a:r>
+          </a:p>
+        </p:txBody>
+      </p:sp>
+      <p:pic>
+        <p:nvPicPr>
+          <p:cNvPr id="5" name="Picture 2">
+            <a:extLst>
+              <a:ext uri="{FF2B5EF4-FFF2-40B4-BE49-F238E27FC236}">
+                <a16:creationId xmlns:a16="http://schemas.microsoft.com/office/drawing/2014/main" id="{6040CDCE-3A35-47F6-9A70-4F1CAF7B746D}"/>
+              </a:ext>
+            </a:extLst>
+          </p:cNvPr>
+          <p:cNvPicPr>
+            <a:picLocks noChangeAspect="1" noChangeArrowheads="1"/>
+          </p:cNvPicPr>
+          <p:nvPr/>
+        </p:nvPicPr>
+        <p:blipFill>
+          <a:blip r:embed="rId3">
+            <a:extLst>
+              <a:ext uri="{28A0092B-C50C-407E-A947-70E740481C1C}">
+                <a14:useLocalDpi xmlns:a14="http://schemas.microsoft.com/office/drawing/2010/main" val="0"/>
+              </a:ext>
+            </a:extLst>
+          </a:blip>
+          <a:srcRect/>
+          <a:stretch>
+            <a:fillRect/>
+          </a:stretch>
+        </p:blipFill>
+        <p:spPr bwMode="auto">
+          <a:xfrm>
+            <a:off x="373022" y="2132856"/>
+            <a:ext cx="5376235" cy="1589246"/>
+          </a:xfrm>
+          <a:prstGeom prst="rect">
+            <a:avLst/>
+          </a:prstGeom>
+          <a:noFill/>
+          <a:extLst>
+            <a:ext uri="{909E8E84-426E-40DD-AFC4-6F175D3DCCD1}">
+              <a14:hiddenFill xmlns:a14="http://schemas.microsoft.com/office/drawing/2010/main">
+                <a:solidFill>
+                  <a:srgbClr val="FFFFFF"/>
+                </a:solidFill>
+              </a14:hiddenFill>
+            </a:ext>
+          </a:extLst>
+        </p:spPr>
+      </p:pic>
+      <p:pic>
+        <p:nvPicPr>
+          <p:cNvPr id="8" name="Afbeelding 7">
+            <a:extLst>
+              <a:ext uri="{FF2B5EF4-FFF2-40B4-BE49-F238E27FC236}">
+                <a16:creationId xmlns:a16="http://schemas.microsoft.com/office/drawing/2014/main" id="{131CB4AD-F9C5-43DF-983B-4C49E6B1585A}"/>
+              </a:ext>
+            </a:extLst>
+          </p:cNvPr>
+          <p:cNvPicPr>
+            <a:picLocks noChangeAspect="1"/>
+          </p:cNvPicPr>
+          <p:nvPr/>
+        </p:nvPicPr>
+        <p:blipFill>
+          <a:blip r:embed="rId4"/>
+          <a:stretch>
+            <a:fillRect/>
+          </a:stretch>
+        </p:blipFill>
+        <p:spPr>
+          <a:xfrm>
+            <a:off x="373022" y="136525"/>
+            <a:ext cx="9478009" cy="1144326"/>
+          </a:xfrm>
+          <a:prstGeom prst="rect">
+            <a:avLst/>
+          </a:prstGeom>
+        </p:spPr>
+      </p:pic>
+    </p:spTree>
+    <p:extLst>
+      <p:ext uri="{BB962C8B-B14F-4D97-AF65-F5344CB8AC3E}">
+        <p14:creationId xmlns:p14="http://schemas.microsoft.com/office/powerpoint/2010/main" val="554923830"/>
+      </p:ext>
+    </p:extLst>
+  </p:cSld>
+  <p:clrMapOvr>
+    <a:masterClrMapping/>
+  </p:clrMapOvr>
+</p:sld>
+</file>
+
+<file path=ppt/slides/slide31.xml><?xml version="1.0" encoding="utf-8"?>
+<p:sld xmlns:a="http://schemas.openxmlformats.org/drawingml/2006/main" xmlns:r="http://schemas.openxmlformats.org/officeDocument/2006/relationships" xmlns:p="http://schemas.openxmlformats.org/presentationml/2006/main">
+  <p:cSld>
     <p:bg>
       <p:bgPr>
         <a:solidFill>
@@ -28857,7 +31932,7 @@
                   <a:spcPts val="600"/>
                 </a:spcAft>
               </a:pPr>
-              <a:t>30</a:t>
+              <a:t>31</a:t>
             </a:fld>
             <a:endParaRPr lang="nl-BE">
               <a:solidFill>
@@ -28882,7 +31957,7 @@
 </p:sld>
 </file>
 
-<file path=ppt/slides/slide31.xml><?xml version="1.0" encoding="utf-8"?>
+<file path=ppt/slides/slide32.xml><?xml version="1.0" encoding="utf-8"?>
 <p:sld xmlns:a="http://schemas.openxmlformats.org/drawingml/2006/main" xmlns:r="http://schemas.openxmlformats.org/officeDocument/2006/relationships" xmlns:p="http://schemas.openxmlformats.org/presentationml/2006/main">
   <p:cSld>
     <p:spTree>
@@ -28982,7 +32057,7 @@
           <a:p>
             <a:fld id="{E8A62353-F7CD-46ED-8877-B27D0E33FCF8}" type="slidenum">
               <a:rPr lang="nl-BE" smtClean="0"/>
-              <a:t>31</a:t>
+              <a:t>32</a:t>
             </a:fld>
             <a:endParaRPr lang="nl-BE"/>
           </a:p>
@@ -29037,7 +32112,7 @@
 </p:sld>
 </file>
 
-<file path=ppt/slides/slide32.xml><?xml version="1.0" encoding="utf-8"?>
+<file path=ppt/slides/slide33.xml><?xml version="1.0" encoding="utf-8"?>
 <p:sld xmlns:a="http://schemas.openxmlformats.org/drawingml/2006/main" xmlns:r="http://schemas.openxmlformats.org/officeDocument/2006/relationships" xmlns:p="http://schemas.openxmlformats.org/presentationml/2006/main">
   <p:cSld>
     <p:spTree>
@@ -29334,7 +32409,7 @@
                 <a:tabLst/>
                 <a:defRPr/>
               </a:pPr>
-              <a:t>32</a:t>
+              <a:t>33</a:t>
             </a:fld>
             <a:endParaRPr kumimoji="0" lang="nl-BE" sz="1050" b="0" i="0" u="none" strike="noStrike" kern="1200" cap="none" spc="0" normalizeH="0" baseline="0" noProof="0">
               <a:ln>
@@ -29368,7 +32443,7 @@
 </p:sld>
 </file>
 
-<file path=ppt/slides/slide33.xml><?xml version="1.0" encoding="utf-8"?>
+<file path=ppt/slides/slide34.xml><?xml version="1.0" encoding="utf-8"?>
 <p:sld xmlns:a="http://schemas.openxmlformats.org/drawingml/2006/main" xmlns:r="http://schemas.openxmlformats.org/officeDocument/2006/relationships" xmlns:p="http://schemas.openxmlformats.org/presentationml/2006/main">
   <p:cSld>
     <p:spTree>
@@ -29543,7 +32618,7 @@
                 <a:tabLst/>
                 <a:defRPr/>
               </a:pPr>
-              <a:t>33</a:t>
+              <a:t>34</a:t>
             </a:fld>
             <a:endParaRPr kumimoji="0" lang="en-US" sz="1500" b="0" i="0" u="none" strike="noStrike" kern="1200" cap="none" spc="0" normalizeH="0" baseline="0" noProof="0">
               <a:ln>
@@ -29684,7 +32759,7 @@
 </p:sld>
 </file>
 
-<file path=ppt/slides/slide34.xml><?xml version="1.0" encoding="utf-8"?>
+<file path=ppt/slides/slide35.xml><?xml version="1.0" encoding="utf-8"?>
 <p:sld xmlns:a="http://schemas.openxmlformats.org/drawingml/2006/main" xmlns:r="http://schemas.openxmlformats.org/officeDocument/2006/relationships" xmlns:p="http://schemas.openxmlformats.org/presentationml/2006/main">
   <p:cSld>
     <p:spTree>
@@ -29862,7 +32937,7 @@
           <a:p>
             <a:fld id="{E8A62353-F7CD-46ED-8877-B27D0E33FCF8}" type="slidenum">
               <a:rPr lang="nl-BE" smtClean="0"/>
-              <a:t>34</a:t>
+              <a:t>35</a:t>
             </a:fld>
             <a:endParaRPr lang="nl-BE"/>
           </a:p>
